--- a/slides/06-monitoring.pptx
+++ b/slides/06-monitoring.pptx
@@ -10,8 +10,8 @@
   <p:sldIdLst>
     <p:sldId id="432" r:id="rId2"/>
     <p:sldId id="577" r:id="rId3"/>
-    <p:sldId id="472" r:id="rId4"/>
-    <p:sldId id="433" r:id="rId5"/>
+    <p:sldId id="578" r:id="rId4"/>
+    <p:sldId id="579" r:id="rId5"/>
     <p:sldId id="434" r:id="rId6"/>
   </p:sldIdLst>
   <p:sldSz cx="14400213" cy="8999538"/>
@@ -16551,28 +16551,25 @@
           <a:prstGeom prst="line">
             <a:avLst/>
           </a:prstGeom>
-          <a:noFill/>
-          <a:ln w="28575" cap="flat">
+          <a:ln w="28575">
             <a:solidFill>
-              <a:srgbClr val="1E6CB3"/>
+              <a:schemeClr val="accent2"/>
             </a:solidFill>
-            <a:prstDash val="solid"/>
-            <a:miter lim="400000"/>
           </a:ln>
-          <a:effectLst/>
-          <a:sp3d/>
         </p:spPr>
         <p:style>
-          <a:lnRef idx="0">
-            <a:scrgbClr r="0" g="0" b="0"/>
+          <a:lnRef idx="1">
+            <a:schemeClr val="accent1"/>
           </a:lnRef>
           <a:fillRef idx="0">
-            <a:scrgbClr r="0" g="0" b="0"/>
+            <a:schemeClr val="accent1"/>
           </a:fillRef>
           <a:effectRef idx="0">
-            <a:scrgbClr r="0" g="0" b="0"/>
+            <a:schemeClr val="accent1"/>
           </a:effectRef>
-          <a:fontRef idx="none"/>
+          <a:fontRef idx="minor">
+            <a:schemeClr val="tx1"/>
+          </a:fontRef>
         </p:style>
       </p:cxnSp>
       <p:pic>
@@ -17061,7 +17058,7 @@
         </p:nvSpPr>
         <p:spPr bwMode="auto">
           <a:xfrm>
-            <a:off x="6786720" y="5293434"/>
+            <a:off x="6786721" y="5381520"/>
             <a:ext cx="6771189" cy="2145512"/>
           </a:xfrm>
           <a:prstGeom prst="rect">
@@ -17617,28 +17614,25 @@
           <a:prstGeom prst="line">
             <a:avLst/>
           </a:prstGeom>
-          <a:noFill/>
-          <a:ln w="28575" cap="flat">
+          <a:ln w="28575">
             <a:solidFill>
-              <a:srgbClr val="1E6CB3"/>
+              <a:schemeClr val="accent1"/>
             </a:solidFill>
-            <a:prstDash val="solid"/>
-            <a:miter lim="400000"/>
           </a:ln>
-          <a:effectLst/>
-          <a:sp3d/>
         </p:spPr>
         <p:style>
-          <a:lnRef idx="0">
-            <a:scrgbClr r="0" g="0" b="0"/>
+          <a:lnRef idx="1">
+            <a:schemeClr val="accent1"/>
           </a:lnRef>
           <a:fillRef idx="0">
-            <a:scrgbClr r="0" g="0" b="0"/>
+            <a:schemeClr val="accent1"/>
           </a:fillRef>
           <a:effectRef idx="0">
-            <a:scrgbClr r="0" g="0" b="0"/>
+            <a:schemeClr val="accent1"/>
           </a:effectRef>
-          <a:fontRef idx="none"/>
+          <a:fontRef idx="minor">
+            <a:schemeClr val="tx1"/>
+          </a:fontRef>
         </p:style>
       </p:cxnSp>
     </p:spTree>
@@ -17663,9 +17657,6 @@
                     <p:cTn id="3" fill="hold">
                       <p:stCondLst>
                         <p:cond delay="indefinite"/>
-                        <p:cond evt="onBegin" delay="0">
-                          <p:tn val="2"/>
-                        </p:cond>
                       </p:stCondLst>
                       <p:childTnLst>
                         <p:par>
@@ -17675,7 +17666,7 @@
                             </p:stCondLst>
                             <p:childTnLst>
                               <p:par>
-                                <p:cTn id="5" presetID="1" presetClass="entr" presetSubtype="0" fill="hold" nodeType="withEffect">
+                                <p:cTn id="5" presetID="1" presetClass="entr" presetSubtype="0" fill="hold" nodeType="clickEffect">
                                   <p:stCondLst>
                                     <p:cond delay="0"/>
                                   </p:stCondLst>
@@ -17702,7 +17693,7 @@
                                 </p:cTn>
                               </p:par>
                               <p:par>
-                                <p:cTn id="7" presetID="1" presetClass="entr" presetSubtype="0" fill="hold" nodeType="withEffect">
+                                <p:cTn id="7" presetID="1" presetClass="entr" presetSubtype="0" fill="hold" grpId="0" nodeType="withEffect">
                                   <p:stCondLst>
                                     <p:cond delay="0"/>
                                   </p:stCondLst>
@@ -17715,7 +17706,7 @@
                                           </p:stCondLst>
                                         </p:cTn>
                                         <p:tgtEl>
-                                          <p:spTgt spid="36"/>
+                                          <p:spTgt spid="45"/>
                                         </p:tgtEl>
                                         <p:attrNameLst>
                                           <p:attrName>style.visibility</p:attrName>
@@ -17728,35 +17719,26 @@
                                   </p:childTnLst>
                                 </p:cTn>
                               </p:par>
+                            </p:childTnLst>
+                          </p:cTn>
+                        </p:par>
+                      </p:childTnLst>
+                    </p:cTn>
+                  </p:par>
+                  <p:par>
+                    <p:cTn id="9" fill="hold">
+                      <p:stCondLst>
+                        <p:cond delay="indefinite"/>
+                      </p:stCondLst>
+                      <p:childTnLst>
+                        <p:par>
+                          <p:cTn id="10" fill="hold">
+                            <p:stCondLst>
+                              <p:cond delay="0"/>
+                            </p:stCondLst>
+                            <p:childTnLst>
                               <p:par>
-                                <p:cTn id="9" presetID="1" presetClass="entr" presetSubtype="0" fill="hold" grpId="0" nodeType="withEffect">
-                                  <p:stCondLst>
-                                    <p:cond delay="0"/>
-                                  </p:stCondLst>
-                                  <p:childTnLst>
-                                    <p:set>
-                                      <p:cBhvr>
-                                        <p:cTn id="10" dur="1" fill="hold">
-                                          <p:stCondLst>
-                                            <p:cond delay="0"/>
-                                          </p:stCondLst>
-                                        </p:cTn>
-                                        <p:tgtEl>
-                                          <p:spTgt spid="37"/>
-                                        </p:tgtEl>
-                                        <p:attrNameLst>
-                                          <p:attrName>style.visibility</p:attrName>
-                                        </p:attrNameLst>
-                                      </p:cBhvr>
-                                      <p:to>
-                                        <p:strVal val="visible"/>
-                                      </p:to>
-                                    </p:set>
-                                  </p:childTnLst>
-                                </p:cTn>
-                              </p:par>
-                              <p:par>
-                                <p:cTn id="11" presetID="1" presetClass="entr" presetSubtype="0" fill="hold" nodeType="withEffect">
+                                <p:cTn id="11" presetID="1" presetClass="entr" presetSubtype="0" fill="hold" grpId="0" nodeType="clickEffect">
                                   <p:stCondLst>
                                     <p:cond delay="0"/>
                                   </p:stCondLst>
@@ -17769,7 +17751,7 @@
                                           </p:stCondLst>
                                         </p:cTn>
                                         <p:tgtEl>
-                                          <p:spTgt spid="38"/>
+                                          <p:spTgt spid="44"/>
                                         </p:tgtEl>
                                         <p:attrNameLst>
                                           <p:attrName>style.visibility</p:attrName>
@@ -17791,87 +17773,6 @@
                                     <p:set>
                                       <p:cBhvr>
                                         <p:cTn id="14" dur="1" fill="hold">
-                                          <p:stCondLst>
-                                            <p:cond delay="0"/>
-                                          </p:stCondLst>
-                                        </p:cTn>
-                                        <p:tgtEl>
-                                          <p:spTgt spid="39"/>
-                                        </p:tgtEl>
-                                        <p:attrNameLst>
-                                          <p:attrName>style.visibility</p:attrName>
-                                        </p:attrNameLst>
-                                      </p:cBhvr>
-                                      <p:to>
-                                        <p:strVal val="visible"/>
-                                      </p:to>
-                                    </p:set>
-                                  </p:childTnLst>
-                                </p:cTn>
-                              </p:par>
-                              <p:par>
-                                <p:cTn id="15" presetID="1" presetClass="entr" presetSubtype="0" fill="hold" grpId="0" nodeType="withEffect">
-                                  <p:stCondLst>
-                                    <p:cond delay="0"/>
-                                  </p:stCondLst>
-                                  <p:childTnLst>
-                                    <p:set>
-                                      <p:cBhvr>
-                                        <p:cTn id="16" dur="1" fill="hold">
-                                          <p:stCondLst>
-                                            <p:cond delay="0"/>
-                                          </p:stCondLst>
-                                        </p:cTn>
-                                        <p:tgtEl>
-                                          <p:spTgt spid="40"/>
-                                        </p:tgtEl>
-                                        <p:attrNameLst>
-                                          <p:attrName>style.visibility</p:attrName>
-                                        </p:attrNameLst>
-                                      </p:cBhvr>
-                                      <p:to>
-                                        <p:strVal val="visible"/>
-                                      </p:to>
-                                    </p:set>
-                                  </p:childTnLst>
-                                </p:cTn>
-                              </p:par>
-                              <p:par>
-                                <p:cTn id="17" presetID="1" presetClass="entr" presetSubtype="0" fill="hold" nodeType="withEffect">
-                                  <p:stCondLst>
-                                    <p:cond delay="0"/>
-                                  </p:stCondLst>
-                                  <p:childTnLst>
-                                    <p:set>
-                                      <p:cBhvr>
-                                        <p:cTn id="18" dur="1" fill="hold">
-                                          <p:stCondLst>
-                                            <p:cond delay="0"/>
-                                          </p:stCondLst>
-                                        </p:cTn>
-                                        <p:tgtEl>
-                                          <p:spTgt spid="41"/>
-                                        </p:tgtEl>
-                                        <p:attrNameLst>
-                                          <p:attrName>style.visibility</p:attrName>
-                                        </p:attrNameLst>
-                                      </p:cBhvr>
-                                      <p:to>
-                                        <p:strVal val="visible"/>
-                                      </p:to>
-                                    </p:set>
-                                  </p:childTnLst>
-                                </p:cTn>
-                              </p:par>
-                              <p:par>
-                                <p:cTn id="19" presetID="1" presetClass="entr" presetSubtype="0" fill="hold" nodeType="withEffect">
-                                  <p:stCondLst>
-                                    <p:cond delay="0"/>
-                                  </p:stCondLst>
-                                  <p:childTnLst>
-                                    <p:set>
-                                      <p:cBhvr>
-                                        <p:cTn id="20" dur="1" fill="hold">
                                           <p:stCondLst>
                                             <p:cond delay="0"/>
                                           </p:stCondLst>
@@ -17918,8 +17819,8 @@
       </p:par>
     </p:tnLst>
     <p:bldLst>
-      <p:bldP spid="37" grpId="0" animBg="1"/>
-      <p:bldP spid="40" grpId="0" animBg="1"/>
+      <p:bldP spid="44" grpId="0"/>
+      <p:bldP spid="45" grpId="0"/>
     </p:bldLst>
   </p:timing>
 </p:sld>
@@ -18543,7 +18444,7 @@
         </p:nvSpPr>
         <p:spPr bwMode="auto">
           <a:xfrm>
-            <a:off x="5436116" y="3535641"/>
+            <a:off x="5579329" y="1251890"/>
             <a:ext cx="8964097" cy="2571269"/>
           </a:xfrm>
           <a:prstGeom prst="rect">
@@ -18893,34 +18794,490 @@
         </p:nvCxnSpPr>
         <p:spPr>
           <a:xfrm>
-            <a:off x="5222818" y="3535641"/>
+            <a:off x="5366031" y="1251890"/>
             <a:ext cx="0" cy="2599356"/>
           </a:xfrm>
           <a:prstGeom prst="line">
             <a:avLst/>
           </a:prstGeom>
-          <a:noFill/>
-          <a:ln w="28575" cap="flat">
+          <a:ln>
             <a:solidFill>
-              <a:srgbClr val="1E6CB3"/>
+              <a:srgbClr val="099CEC"/>
             </a:solidFill>
-            <a:prstDash val="solid"/>
-            <a:miter lim="400000"/>
+            <a:headEnd type="none"/>
+            <a:tailEnd type="none"/>
           </a:ln>
           <a:effectLst/>
-          <a:sp3d/>
         </p:spPr>
         <p:style>
-          <a:lnRef idx="0">
-            <a:scrgbClr r="0" g="0" b="0"/>
+          <a:lnRef idx="2">
+            <a:schemeClr val="accent1"/>
           </a:lnRef>
           <a:fillRef idx="0">
-            <a:scrgbClr r="0" g="0" b="0"/>
+            <a:schemeClr val="accent1"/>
           </a:fillRef>
-          <a:effectRef idx="0">
-            <a:scrgbClr r="0" g="0" b="0"/>
+          <a:effectRef idx="1">
+            <a:schemeClr val="accent1"/>
           </a:effectRef>
-          <a:fontRef idx="none"/>
+          <a:fontRef idx="minor">
+            <a:schemeClr val="tx1"/>
+          </a:fontRef>
+        </p:style>
+      </p:cxnSp>
+      <p:sp>
+        <p:nvSpPr>
+          <p:cNvPr id="25" name="Rectangle 1">
+            <a:extLst>
+              <a:ext uri="{FF2B5EF4-FFF2-40B4-BE49-F238E27FC236}">
+                <a16:creationId xmlns:a16="http://schemas.microsoft.com/office/drawing/2014/main" id="{A674C4E0-A70D-4F84-8F70-414A68B70D39}"/>
+              </a:ext>
+            </a:extLst>
+          </p:cNvPr>
+          <p:cNvSpPr>
+            <a:spLocks noChangeArrowheads="1"/>
+          </p:cNvSpPr>
+          <p:nvPr/>
+        </p:nvSpPr>
+        <p:spPr bwMode="auto">
+          <a:xfrm>
+            <a:off x="5579329" y="4697561"/>
+            <a:ext cx="8964097" cy="2571269"/>
+          </a:xfrm>
+          <a:prstGeom prst="rect">
+            <a:avLst/>
+          </a:prstGeom>
+          <a:noFill/>
+          <a:ln>
+            <a:noFill/>
+          </a:ln>
+          <a:effectLst/>
+          <a:extLst>
+            <a:ext uri="{909E8E84-426E-40DD-AFC4-6F175D3DCCD1}">
+              <a14:hiddenFill xmlns:a14="http://schemas.microsoft.com/office/drawing/2010/main">
+                <a:solidFill>
+                  <a:schemeClr val="accent1"/>
+                </a:solidFill>
+              </a14:hiddenFill>
+            </a:ext>
+            <a:ext uri="{91240B29-F687-4F45-9708-019B960494DF}">
+              <a14:hiddenLine xmlns:a14="http://schemas.microsoft.com/office/drawing/2010/main" w="9525">
+                <a:solidFill>
+                  <a:schemeClr val="tx1"/>
+                </a:solidFill>
+                <a:miter lim="800000"/>
+                <a:headEnd/>
+                <a:tailEnd/>
+              </a14:hiddenLine>
+            </a:ext>
+            <a:ext uri="{AF507438-7753-43E0-B8FC-AC1667EBCBE1}">
+              <a14:hiddenEffects xmlns:a14="http://schemas.microsoft.com/office/drawing/2010/main">
+                <a:effectLst>
+                  <a:outerShdw dist="35921" dir="2700000" algn="ctr" rotWithShape="0">
+                    <a:schemeClr val="bg2"/>
+                  </a:outerShdw>
+                </a:effectLst>
+              </a14:hiddenEffects>
+            </a:ext>
+          </a:extLst>
+        </p:spPr>
+        <p:txBody>
+          <a:bodyPr vert="horz" wrap="none" lIns="108002" tIns="54001" rIns="108002" bIns="54001" numCol="1" anchor="ctr" anchorCtr="0" compatLnSpc="1">
+            <a:prstTxWarp prst="textNoShape">
+              <a:avLst/>
+            </a:prstTxWarp>
+            <a:spAutoFit/>
+          </a:bodyPr>
+          <a:lstStyle/>
+          <a:p>
+            <a:pPr defTabSz="1079998" eaLnBrk="0" fontAlgn="base" hangingPunct="0">
+              <a:spcBef>
+                <a:spcPct val="0"/>
+              </a:spcBef>
+              <a:spcAft>
+                <a:spcPct val="0"/>
+              </a:spcAft>
+            </a:pPr>
+            <a:r>
+              <a:rPr lang="en-US" altLang="en-US" sz="2000" dirty="0">
+                <a:solidFill>
+                  <a:srgbClr val="000000"/>
+                </a:solidFill>
+                <a:latin typeface="Consolas" panose="020B0609020204030204" pitchFamily="49" charset="0"/>
+              </a:rPr>
+              <a:t># HELP </a:t>
+            </a:r>
+            <a:r>
+              <a:rPr lang="en-US" altLang="en-US" sz="2000" dirty="0" err="1">
+                <a:solidFill>
+                  <a:srgbClr val="000000"/>
+                </a:solidFill>
+                <a:latin typeface="Consolas" panose="020B0609020204030204" pitchFamily="49" charset="0"/>
+              </a:rPr>
+              <a:t>engine_daemon_container_states_</a:t>
+            </a:r>
+            <a:r>
+              <a:rPr lang="en-US" altLang="en-US" sz="2000" err="1">
+                <a:solidFill>
+                  <a:srgbClr val="000000"/>
+                </a:solidFill>
+                <a:latin typeface="Consolas" panose="020B0609020204030204" pitchFamily="49" charset="0"/>
+              </a:rPr>
+              <a:t>containers</a:t>
+            </a:r>
+            <a:r>
+              <a:rPr lang="en-US" altLang="en-US" sz="2000">
+                <a:solidFill>
+                  <a:srgbClr val="000000"/>
+                </a:solidFill>
+                <a:latin typeface="Consolas" panose="020B0609020204030204" pitchFamily="49" charset="0"/>
+              </a:rPr>
+              <a:t> …</a:t>
+            </a:r>
+            <a:endParaRPr lang="en-US" altLang="en-US" sz="2000" dirty="0">
+              <a:solidFill>
+                <a:srgbClr val="000000"/>
+              </a:solidFill>
+              <a:latin typeface="Consolas" panose="020B0609020204030204" pitchFamily="49" charset="0"/>
+            </a:endParaRPr>
+          </a:p>
+          <a:p>
+            <a:pPr defTabSz="1079998" eaLnBrk="0" fontAlgn="base" hangingPunct="0">
+              <a:spcBef>
+                <a:spcPct val="0"/>
+              </a:spcBef>
+              <a:spcAft>
+                <a:spcPct val="0"/>
+              </a:spcAft>
+            </a:pPr>
+            <a:r>
+              <a:rPr lang="en-US" altLang="en-US" sz="2000" dirty="0">
+                <a:solidFill>
+                  <a:srgbClr val="000000"/>
+                </a:solidFill>
+                <a:latin typeface="Consolas" panose="020B0609020204030204" pitchFamily="49" charset="0"/>
+              </a:rPr>
+              <a:t># TYPE </a:t>
+            </a:r>
+            <a:r>
+              <a:rPr lang="en-US" altLang="en-US" sz="2000" dirty="0" err="1">
+                <a:solidFill>
+                  <a:srgbClr val="000000"/>
+                </a:solidFill>
+                <a:latin typeface="Consolas" panose="020B0609020204030204" pitchFamily="49" charset="0"/>
+              </a:rPr>
+              <a:t>engine_daemon_container_states_containers</a:t>
+            </a:r>
+            <a:r>
+              <a:rPr lang="en-US" altLang="en-US" sz="2000" dirty="0">
+                <a:solidFill>
+                  <a:srgbClr val="000000"/>
+                </a:solidFill>
+                <a:latin typeface="Consolas" panose="020B0609020204030204" pitchFamily="49" charset="0"/>
+              </a:rPr>
+              <a:t> gauge </a:t>
+            </a:r>
+          </a:p>
+          <a:p>
+            <a:pPr defTabSz="1079998" eaLnBrk="0" fontAlgn="base" hangingPunct="0">
+              <a:spcBef>
+                <a:spcPct val="0"/>
+              </a:spcBef>
+              <a:spcAft>
+                <a:spcPct val="0"/>
+              </a:spcAft>
+            </a:pPr>
+            <a:r>
+              <a:rPr lang="en-US" altLang="en-US" sz="2000" dirty="0" err="1">
+                <a:solidFill>
+                  <a:srgbClr val="000000"/>
+                </a:solidFill>
+                <a:latin typeface="Consolas" panose="020B0609020204030204" pitchFamily="49" charset="0"/>
+              </a:rPr>
+              <a:t>engine_daemon_container_states_containers</a:t>
+            </a:r>
+            <a:r>
+              <a:rPr lang="en-US" altLang="en-US" sz="2000" dirty="0">
+                <a:solidFill>
+                  <a:srgbClr val="000000"/>
+                </a:solidFill>
+                <a:latin typeface="Consolas" panose="020B0609020204030204" pitchFamily="49" charset="0"/>
+              </a:rPr>
+              <a:t>{state="paused</a:t>
+            </a:r>
+            <a:r>
+              <a:rPr lang="en-US" altLang="en-US" sz="2000">
+                <a:solidFill>
+                  <a:srgbClr val="000000"/>
+                </a:solidFill>
+                <a:latin typeface="Consolas" panose="020B0609020204030204" pitchFamily="49" charset="0"/>
+              </a:rPr>
+              <a:t>"} 2 </a:t>
+            </a:r>
+            <a:endParaRPr lang="en-US" altLang="en-US" sz="2000" dirty="0">
+              <a:solidFill>
+                <a:srgbClr val="000000"/>
+              </a:solidFill>
+              <a:latin typeface="Consolas" panose="020B0609020204030204" pitchFamily="49" charset="0"/>
+            </a:endParaRPr>
+          </a:p>
+          <a:p>
+            <a:pPr defTabSz="1079998" eaLnBrk="0" fontAlgn="base" hangingPunct="0">
+              <a:spcBef>
+                <a:spcPct val="0"/>
+              </a:spcBef>
+              <a:spcAft>
+                <a:spcPct val="0"/>
+              </a:spcAft>
+            </a:pPr>
+            <a:r>
+              <a:rPr lang="en-US" altLang="en-US" sz="2000" dirty="0" err="1">
+                <a:solidFill>
+                  <a:srgbClr val="000000"/>
+                </a:solidFill>
+                <a:latin typeface="Consolas" panose="020B0609020204030204" pitchFamily="49" charset="0"/>
+              </a:rPr>
+              <a:t>engine_daemon_container_states_containers</a:t>
+            </a:r>
+            <a:r>
+              <a:rPr lang="en-US" altLang="en-US" sz="2000" dirty="0">
+                <a:solidFill>
+                  <a:srgbClr val="000000"/>
+                </a:solidFill>
+                <a:latin typeface="Consolas" panose="020B0609020204030204" pitchFamily="49" charset="0"/>
+              </a:rPr>
+              <a:t>{state="running</a:t>
+            </a:r>
+            <a:r>
+              <a:rPr lang="en-US" altLang="en-US" sz="2000">
+                <a:solidFill>
+                  <a:srgbClr val="000000"/>
+                </a:solidFill>
+                <a:latin typeface="Consolas" panose="020B0609020204030204" pitchFamily="49" charset="0"/>
+              </a:rPr>
+              <a:t>"} 15 </a:t>
+            </a:r>
+            <a:endParaRPr lang="en-US" altLang="en-US" sz="2000" dirty="0">
+              <a:solidFill>
+                <a:srgbClr val="000000"/>
+              </a:solidFill>
+              <a:latin typeface="Consolas" panose="020B0609020204030204" pitchFamily="49" charset="0"/>
+            </a:endParaRPr>
+          </a:p>
+          <a:p>
+            <a:pPr defTabSz="1079998" eaLnBrk="0" fontAlgn="base" hangingPunct="0">
+              <a:spcBef>
+                <a:spcPct val="0"/>
+              </a:spcBef>
+              <a:spcAft>
+                <a:spcPct val="0"/>
+              </a:spcAft>
+            </a:pPr>
+            <a:r>
+              <a:rPr lang="en-US" altLang="en-US" sz="2000" dirty="0" err="1">
+                <a:solidFill>
+                  <a:srgbClr val="000000"/>
+                </a:solidFill>
+                <a:latin typeface="Consolas" panose="020B0609020204030204" pitchFamily="49" charset="0"/>
+              </a:rPr>
+              <a:t>engine_daemon_container_states_containers</a:t>
+            </a:r>
+            <a:r>
+              <a:rPr lang="en-US" altLang="en-US" sz="2000" dirty="0">
+                <a:solidFill>
+                  <a:srgbClr val="000000"/>
+                </a:solidFill>
+                <a:latin typeface="Consolas" panose="020B0609020204030204" pitchFamily="49" charset="0"/>
+              </a:rPr>
+              <a:t>{state="stopped</a:t>
+            </a:r>
+            <a:r>
+              <a:rPr lang="en-US" altLang="en-US" sz="2000">
+                <a:solidFill>
+                  <a:srgbClr val="000000"/>
+                </a:solidFill>
+                <a:latin typeface="Consolas" panose="020B0609020204030204" pitchFamily="49" charset="0"/>
+              </a:rPr>
+              <a:t>"} 3 </a:t>
+            </a:r>
+            <a:endParaRPr lang="en-US" altLang="en-US" sz="2000" dirty="0">
+              <a:solidFill>
+                <a:srgbClr val="000000"/>
+              </a:solidFill>
+              <a:latin typeface="Consolas" panose="020B0609020204030204" pitchFamily="49" charset="0"/>
+            </a:endParaRPr>
+          </a:p>
+          <a:p>
+            <a:pPr defTabSz="1079998" eaLnBrk="0" fontAlgn="base" hangingPunct="0">
+              <a:spcBef>
+                <a:spcPct val="0"/>
+              </a:spcBef>
+              <a:spcAft>
+                <a:spcPct val="0"/>
+              </a:spcAft>
+            </a:pPr>
+            <a:r>
+              <a:rPr lang="en-US" altLang="en-US" sz="2000" dirty="0">
+                <a:solidFill>
+                  <a:srgbClr val="000000"/>
+                </a:solidFill>
+                <a:latin typeface="Consolas" panose="020B0609020204030204" pitchFamily="49" charset="0"/>
+              </a:rPr>
+              <a:t># HELP </a:t>
+            </a:r>
+            <a:r>
+              <a:rPr lang="en-US" altLang="en-US" sz="2000" dirty="0" err="1">
+                <a:solidFill>
+                  <a:srgbClr val="000000"/>
+                </a:solidFill>
+                <a:latin typeface="Consolas" panose="020B0609020204030204" pitchFamily="49" charset="0"/>
+              </a:rPr>
+              <a:t>engine_daemon_engine_cpus_cpus</a:t>
+            </a:r>
+            <a:r>
+              <a:rPr lang="en-US" altLang="en-US" sz="2000" dirty="0">
+                <a:solidFill>
+                  <a:srgbClr val="000000"/>
+                </a:solidFill>
+                <a:latin typeface="Consolas" panose="020B0609020204030204" pitchFamily="49" charset="0"/>
+              </a:rPr>
+              <a:t> The number of CPUs</a:t>
+            </a:r>
+          </a:p>
+          <a:p>
+            <a:pPr defTabSz="1079998" eaLnBrk="0" fontAlgn="base" hangingPunct="0">
+              <a:spcBef>
+                <a:spcPct val="0"/>
+              </a:spcBef>
+              <a:spcAft>
+                <a:spcPct val="0"/>
+              </a:spcAft>
+            </a:pPr>
+            <a:r>
+              <a:rPr lang="en-US" altLang="en-US" sz="2000" dirty="0">
+                <a:solidFill>
+                  <a:srgbClr val="000000"/>
+                </a:solidFill>
+                <a:latin typeface="Consolas" panose="020B0609020204030204" pitchFamily="49" charset="0"/>
+              </a:rPr>
+              <a:t># TYPE </a:t>
+            </a:r>
+            <a:r>
+              <a:rPr lang="en-US" altLang="en-US" sz="2000" dirty="0" err="1">
+                <a:solidFill>
+                  <a:srgbClr val="000000"/>
+                </a:solidFill>
+                <a:latin typeface="Consolas" panose="020B0609020204030204" pitchFamily="49" charset="0"/>
+              </a:rPr>
+              <a:t>engine_daemon_engine_cpus_cpus</a:t>
+            </a:r>
+            <a:r>
+              <a:rPr lang="en-US" altLang="en-US" sz="2000" dirty="0">
+                <a:solidFill>
+                  <a:srgbClr val="000000"/>
+                </a:solidFill>
+                <a:latin typeface="Consolas" panose="020B0609020204030204" pitchFamily="49" charset="0"/>
+              </a:rPr>
+              <a:t> gauge </a:t>
+            </a:r>
+          </a:p>
+          <a:p>
+            <a:pPr defTabSz="1079998" eaLnBrk="0" fontAlgn="base" hangingPunct="0">
+              <a:spcBef>
+                <a:spcPct val="0"/>
+              </a:spcBef>
+              <a:spcAft>
+                <a:spcPct val="0"/>
+              </a:spcAft>
+            </a:pPr>
+            <a:r>
+              <a:rPr lang="en-US" altLang="en-US" sz="2000" dirty="0" err="1">
+                <a:solidFill>
+                  <a:srgbClr val="000000"/>
+                </a:solidFill>
+                <a:latin typeface="Consolas" panose="020B0609020204030204" pitchFamily="49" charset="0"/>
+              </a:rPr>
+              <a:t>engine_daemon_engine_cpus_</a:t>
+            </a:r>
+            <a:r>
+              <a:rPr lang="en-US" altLang="en-US" sz="2000" err="1">
+                <a:solidFill>
+                  <a:srgbClr val="000000"/>
+                </a:solidFill>
+                <a:latin typeface="Consolas" panose="020B0609020204030204" pitchFamily="49" charset="0"/>
+              </a:rPr>
+              <a:t>cpus</a:t>
+            </a:r>
+            <a:r>
+              <a:rPr lang="en-US" altLang="en-US" sz="2000">
+                <a:solidFill>
+                  <a:srgbClr val="000000"/>
+                </a:solidFill>
+                <a:latin typeface="Consolas" panose="020B0609020204030204" pitchFamily="49" charset="0"/>
+              </a:rPr>
+              <a:t> 8</a:t>
+            </a:r>
+            <a:r>
+              <a:rPr lang="en-US" altLang="en-US" sz="2000">
+                <a:solidFill>
+                  <a:srgbClr val="404040"/>
+                </a:solidFill>
+                <a:latin typeface="Consolas" panose="020B0609020204030204" pitchFamily="49" charset="0"/>
+              </a:rPr>
+              <a:t> </a:t>
+            </a:r>
+            <a:endParaRPr lang="en-US" altLang="en-US" sz="2000" dirty="0">
+              <a:solidFill>
+                <a:srgbClr val="404040"/>
+              </a:solidFill>
+              <a:latin typeface="Consolas" panose="020B0609020204030204" pitchFamily="49" charset="0"/>
+            </a:endParaRPr>
+          </a:p>
+        </p:txBody>
+      </p:sp>
+      <p:cxnSp>
+        <p:nvCxnSpPr>
+          <p:cNvPr id="26" name="Straight Connector 25">
+            <a:extLst>
+              <a:ext uri="{FF2B5EF4-FFF2-40B4-BE49-F238E27FC236}">
+                <a16:creationId xmlns:a16="http://schemas.microsoft.com/office/drawing/2014/main" id="{348C0693-7095-4BFB-93DD-AE00792C464B}"/>
+              </a:ext>
+            </a:extLst>
+          </p:cNvPr>
+          <p:cNvCxnSpPr>
+            <a:cxnSpLocks/>
+          </p:cNvCxnSpPr>
+          <p:nvPr/>
+        </p:nvCxnSpPr>
+        <p:spPr>
+          <a:xfrm>
+            <a:off x="5366031" y="4697561"/>
+            <a:ext cx="0" cy="2599356"/>
+          </a:xfrm>
+          <a:prstGeom prst="line">
+            <a:avLst/>
+          </a:prstGeom>
+          <a:ln>
+            <a:solidFill>
+              <a:schemeClr val="accent1"/>
+            </a:solidFill>
+            <a:headEnd type="none"/>
+            <a:tailEnd type="none"/>
+          </a:ln>
+          <a:effectLst/>
+        </p:spPr>
+        <p:style>
+          <a:lnRef idx="2">
+            <a:schemeClr val="accent1"/>
+          </a:lnRef>
+          <a:fillRef idx="0">
+            <a:schemeClr val="accent1"/>
+          </a:fillRef>
+          <a:effectRef idx="1">
+            <a:schemeClr val="accent1"/>
+          </a:effectRef>
+          <a:fontRef idx="minor">
+            <a:schemeClr val="tx1"/>
+          </a:fontRef>
         </p:style>
       </p:cxnSp>
     </p:spTree>
@@ -18945,9 +19302,6 @@
                     <p:cTn id="3" fill="hold">
                       <p:stCondLst>
                         <p:cond delay="indefinite"/>
-                        <p:cond evt="onBegin" delay="0">
-                          <p:tn val="2"/>
-                        </p:cond>
                       </p:stCondLst>
                       <p:childTnLst>
                         <p:par>
@@ -18957,7 +19311,7 @@
                             </p:stCondLst>
                             <p:childTnLst>
                               <p:par>
-                                <p:cTn id="5" presetID="1" presetClass="entr" presetSubtype="0" fill="hold" nodeType="withEffect">
+                                <p:cTn id="5" presetID="1" presetClass="entr" presetSubtype="0" fill="hold" grpId="0" nodeType="clickEffect">
                                   <p:stCondLst>
                                     <p:cond delay="0"/>
                                   </p:stCondLst>
@@ -18970,7 +19324,106 @@
                                           </p:stCondLst>
                                         </p:cTn>
                                         <p:tgtEl>
+                                          <p:spTgt spid="30"/>
+                                        </p:tgtEl>
+                                        <p:attrNameLst>
+                                          <p:attrName>style.visibility</p:attrName>
+                                        </p:attrNameLst>
+                                      </p:cBhvr>
+                                      <p:to>
+                                        <p:strVal val="visible"/>
+                                      </p:to>
+                                    </p:set>
+                                  </p:childTnLst>
+                                </p:cTn>
+                              </p:par>
+                              <p:par>
+                                <p:cTn id="7" presetID="1" presetClass="entr" presetSubtype="0" fill="hold" nodeType="withEffect">
+                                  <p:stCondLst>
+                                    <p:cond delay="0"/>
+                                  </p:stCondLst>
+                                  <p:childTnLst>
+                                    <p:set>
+                                      <p:cBhvr>
+                                        <p:cTn id="8" dur="1" fill="hold">
+                                          <p:stCondLst>
+                                            <p:cond delay="0"/>
+                                          </p:stCondLst>
+                                        </p:cTn>
+                                        <p:tgtEl>
                                           <p:spTgt spid="33"/>
+                                        </p:tgtEl>
+                                        <p:attrNameLst>
+                                          <p:attrName>style.visibility</p:attrName>
+                                        </p:attrNameLst>
+                                      </p:cBhvr>
+                                      <p:to>
+                                        <p:strVal val="visible"/>
+                                      </p:to>
+                                    </p:set>
+                                  </p:childTnLst>
+                                </p:cTn>
+                              </p:par>
+                            </p:childTnLst>
+                          </p:cTn>
+                        </p:par>
+                      </p:childTnLst>
+                    </p:cTn>
+                  </p:par>
+                  <p:par>
+                    <p:cTn id="9" fill="hold">
+                      <p:stCondLst>
+                        <p:cond delay="indefinite"/>
+                      </p:stCondLst>
+                      <p:childTnLst>
+                        <p:par>
+                          <p:cTn id="10" fill="hold">
+                            <p:stCondLst>
+                              <p:cond delay="0"/>
+                            </p:stCondLst>
+                            <p:childTnLst>
+                              <p:par>
+                                <p:cTn id="11" presetID="1" presetClass="entr" presetSubtype="0" fill="hold" grpId="0" nodeType="clickEffect">
+                                  <p:stCondLst>
+                                    <p:cond delay="0"/>
+                                  </p:stCondLst>
+                                  <p:childTnLst>
+                                    <p:set>
+                                      <p:cBhvr>
+                                        <p:cTn id="12" dur="1" fill="hold">
+                                          <p:stCondLst>
+                                            <p:cond delay="0"/>
+                                          </p:stCondLst>
+                                        </p:cTn>
+                                        <p:tgtEl>
+                                          <p:spTgt spid="25"/>
+                                        </p:tgtEl>
+                                        <p:attrNameLst>
+                                          <p:attrName>style.visibility</p:attrName>
+                                        </p:attrNameLst>
+                                      </p:cBhvr>
+                                      <p:to>
+                                        <p:strVal val="visible"/>
+                                      </p:to>
+                                    </p:set>
+                                  </p:childTnLst>
+                                </p:cTn>
+                              </p:par>
+                              <p:par>
+                                <p:cTn id="13" presetID="1" presetClass="entr" presetSubtype="0" fill="hold" nodeType="withEffect">
+                                  <p:stCondLst>
+                                    <p:cond delay="0"/>
+                                  </p:stCondLst>
+                                  <p:childTnLst>
+                                    <p:set>
+                                      <p:cBhvr>
+                                        <p:cTn id="14" dur="1" fill="hold">
+                                          <p:stCondLst>
+                                            <p:cond delay="0"/>
+                                          </p:stCondLst>
+                                        </p:cTn>
+                                        <p:tgtEl>
+                                          <p:spTgt spid="26"/>
                                         </p:tgtEl>
                                         <p:attrNameLst>
                                           <p:attrName>style.visibility</p:attrName>
@@ -19010,6 +19463,10 @@
         </p:cTn>
       </p:par>
     </p:tnLst>
+    <p:bldLst>
+      <p:bldP spid="30" grpId="0"/>
+      <p:bldP spid="25" grpId="0"/>
+    </p:bldLst>
   </p:timing>
 </p:sld>
 </file>
@@ -19031,6 +19488,66 @@
           <a:chExt cx="0" cy="0"/>
         </a:xfrm>
       </p:grpSpPr>
+      <p:sp>
+        <p:nvSpPr>
+          <p:cNvPr id="7" name="Oval 6">
+            <a:extLst>
+              <a:ext uri="{FF2B5EF4-FFF2-40B4-BE49-F238E27FC236}">
+                <a16:creationId xmlns:a16="http://schemas.microsoft.com/office/drawing/2014/main" id="{02E45672-3DFB-48F1-8CF1-6B5C3ECAE5D9}"/>
+              </a:ext>
+            </a:extLst>
+          </p:cNvPr>
+          <p:cNvSpPr/>
+          <p:nvPr/>
+        </p:nvSpPr>
+        <p:spPr>
+          <a:xfrm>
+            <a:off x="2215839" y="5402661"/>
+            <a:ext cx="1374501" cy="1364141"/>
+          </a:xfrm>
+          <a:prstGeom prst="ellipse">
+            <a:avLst/>
+          </a:prstGeom>
+          <a:solidFill>
+            <a:schemeClr val="bg1"/>
+          </a:solidFill>
+          <a:ln>
+            <a:noFill/>
+          </a:ln>
+          <a:effectLst/>
+        </p:spPr>
+        <p:style>
+          <a:lnRef idx="2">
+            <a:schemeClr val="accent1"/>
+          </a:lnRef>
+          <a:fillRef idx="0">
+            <a:schemeClr val="accent1"/>
+          </a:fillRef>
+          <a:effectRef idx="1">
+            <a:schemeClr val="accent1"/>
+          </a:effectRef>
+          <a:fontRef idx="minor">
+            <a:schemeClr val="tx1"/>
+          </a:fontRef>
+        </p:style>
+        <p:txBody>
+          <a:bodyPr lIns="216003" tIns="216003" rIns="216003" bIns="216003" rtlCol="0" anchor="ctr"/>
+          <a:lstStyle/>
+          <a:p>
+            <a:pPr algn="ctr" defTabSz="1079998">
+              <a:spcBef>
+                <a:spcPts val="709"/>
+              </a:spcBef>
+            </a:pPr>
+            <a:endParaRPr lang="en-US" sz="2362" dirty="0">
+              <a:solidFill>
+                <a:srgbClr val="FFFFFF"/>
+              </a:solidFill>
+              <a:latin typeface="Gotham Medium"/>
+            </a:endParaRPr>
+          </a:p>
+        </p:txBody>
+      </p:sp>
       <p:pic>
         <p:nvPicPr>
           <p:cNvPr id="9" name="Picture 8">
@@ -19059,7 +19576,7 @@
         </p:blipFill>
         <p:spPr>
           <a:xfrm>
-            <a:off x="4712313" y="850829"/>
+            <a:off x="4296921" y="850829"/>
             <a:ext cx="1695614" cy="1385215"/>
           </a:xfrm>
           <a:prstGeom prst="rect">
@@ -19095,7 +19612,7 @@
         </p:blipFill>
         <p:spPr>
           <a:xfrm>
-            <a:off x="4677901" y="4369955"/>
+            <a:off x="4262509" y="4369955"/>
             <a:ext cx="1699767" cy="1388608"/>
           </a:xfrm>
           <a:prstGeom prst="rect">
@@ -19120,7 +19637,7 @@
         </p:nvCxnSpPr>
         <p:spPr>
           <a:xfrm>
-            <a:off x="4198654" y="2844711"/>
+            <a:off x="3783262" y="2844711"/>
             <a:ext cx="1282965" cy="1"/>
           </a:xfrm>
           <a:prstGeom prst="line">
@@ -19161,7 +19678,7 @@
         </p:nvSpPr>
         <p:spPr>
           <a:xfrm>
-            <a:off x="5481620" y="2769362"/>
+            <a:off x="5066228" y="2769362"/>
             <a:ext cx="157003" cy="150700"/>
           </a:xfrm>
           <a:prstGeom prst="ellipse">
@@ -19228,7 +19745,7 @@
         </p:nvCxnSpPr>
         <p:spPr>
           <a:xfrm flipH="1" flipV="1">
-            <a:off x="5560121" y="2236045"/>
+            <a:off x="5144729" y="2236045"/>
             <a:ext cx="1" cy="533317"/>
           </a:xfrm>
           <a:prstGeom prst="line">
@@ -19272,7 +19789,7 @@
         </p:nvCxnSpPr>
         <p:spPr>
           <a:xfrm>
-            <a:off x="4166317" y="6306543"/>
+            <a:off x="3750926" y="6306543"/>
             <a:ext cx="1282965" cy="1"/>
           </a:xfrm>
           <a:prstGeom prst="line">
@@ -19313,7 +19830,7 @@
         </p:nvSpPr>
         <p:spPr>
           <a:xfrm>
-            <a:off x="5449283" y="6231193"/>
+            <a:off x="5033891" y="6231193"/>
             <a:ext cx="157003" cy="150700"/>
           </a:xfrm>
           <a:prstGeom prst="ellipse">
@@ -19380,7 +19897,7 @@
         </p:nvCxnSpPr>
         <p:spPr>
           <a:xfrm flipV="1">
-            <a:off x="5527784" y="5758563"/>
+            <a:off x="5112393" y="5758563"/>
             <a:ext cx="0" cy="472630"/>
           </a:xfrm>
           <a:prstGeom prst="line">
@@ -19421,7 +19938,7 @@
         </p:nvSpPr>
         <p:spPr>
           <a:xfrm>
-            <a:off x="6575392" y="1010934"/>
+            <a:off x="6160000" y="1010934"/>
             <a:ext cx="1518364" cy="455830"/>
           </a:xfrm>
           <a:prstGeom prst="rect">
@@ -19468,101 +19985,7 @@
         </p:nvSpPr>
         <p:spPr>
           <a:xfrm>
-            <a:off x="6575392" y="4504952"/>
-            <a:ext cx="1518364" cy="455830"/>
-          </a:xfrm>
-          <a:prstGeom prst="rect">
-            <a:avLst/>
-          </a:prstGeom>
-          <a:noFill/>
-        </p:spPr>
-        <p:txBody>
-          <a:bodyPr wrap="none" rtlCol="0">
-            <a:spAutoFit/>
-          </a:bodyPr>
-          <a:lstStyle/>
-          <a:p>
-            <a:pPr defTabSz="1079998"/>
-            <a:r>
-              <a:rPr lang="en-GB" sz="2362" dirty="0">
-                <a:solidFill>
-                  <a:srgbClr val="404040"/>
-                </a:solidFill>
-                <a:latin typeface="Consolas" panose="020B0609020204030204" pitchFamily="49" charset="0"/>
-              </a:rPr>
-              <a:t>/metrics</a:t>
-            </a:r>
-            <a:endParaRPr lang="en-US" sz="2362" dirty="0" err="1">
-              <a:solidFill>
-                <a:srgbClr val="404040"/>
-              </a:solidFill>
-              <a:latin typeface="Consolas" panose="020B0609020204030204" pitchFamily="49" charset="0"/>
-            </a:endParaRPr>
-          </a:p>
-        </p:txBody>
-      </p:sp>
-      <p:sp>
-        <p:nvSpPr>
-          <p:cNvPr id="23" name="TextBox 22">
-            <a:extLst>
-              <a:ext uri="{FF2B5EF4-FFF2-40B4-BE49-F238E27FC236}">
-                <a16:creationId xmlns:a16="http://schemas.microsoft.com/office/drawing/2014/main" id="{29E805CB-F4DA-4DCE-8BFD-F1B4510CAE9C}"/>
-              </a:ext>
-            </a:extLst>
-          </p:cNvPr>
-          <p:cNvSpPr txBox="1"/>
-          <p:nvPr/>
-        </p:nvSpPr>
-        <p:spPr>
-          <a:xfrm>
-            <a:off x="3541991" y="6910016"/>
-            <a:ext cx="1518364" cy="455830"/>
-          </a:xfrm>
-          <a:prstGeom prst="rect">
-            <a:avLst/>
-          </a:prstGeom>
-          <a:noFill/>
-        </p:spPr>
-        <p:txBody>
-          <a:bodyPr wrap="none" rtlCol="0">
-            <a:spAutoFit/>
-          </a:bodyPr>
-          <a:lstStyle/>
-          <a:p>
-            <a:pPr defTabSz="1079998"/>
-            <a:r>
-              <a:rPr lang="en-GB" sz="2362" dirty="0">
-                <a:solidFill>
-                  <a:srgbClr val="404040"/>
-                </a:solidFill>
-                <a:latin typeface="Consolas" panose="020B0609020204030204" pitchFamily="49" charset="0"/>
-              </a:rPr>
-              <a:t>/metrics</a:t>
-            </a:r>
-            <a:endParaRPr lang="en-US" sz="2362" dirty="0" err="1">
-              <a:solidFill>
-                <a:srgbClr val="404040"/>
-              </a:solidFill>
-              <a:latin typeface="Consolas" panose="020B0609020204030204" pitchFamily="49" charset="0"/>
-            </a:endParaRPr>
-          </a:p>
-        </p:txBody>
-      </p:sp>
-      <p:sp>
-        <p:nvSpPr>
-          <p:cNvPr id="24" name="TextBox 23">
-            <a:extLst>
-              <a:ext uri="{FF2B5EF4-FFF2-40B4-BE49-F238E27FC236}">
-                <a16:creationId xmlns:a16="http://schemas.microsoft.com/office/drawing/2014/main" id="{902877C1-D816-4A66-8836-7E0B4E529764}"/>
-              </a:ext>
-            </a:extLst>
-          </p:cNvPr>
-          <p:cNvSpPr txBox="1"/>
-          <p:nvPr/>
-        </p:nvSpPr>
-        <p:spPr>
-          <a:xfrm>
-            <a:off x="3541991" y="3595641"/>
+            <a:off x="6160000" y="4504952"/>
             <a:ext cx="1518364" cy="455830"/>
           </a:xfrm>
           <a:prstGeom prst="rect">
@@ -19623,7 +20046,7 @@
         </p:blipFill>
         <p:spPr>
           <a:xfrm>
-            <a:off x="9305513" y="4369955"/>
+            <a:off x="7934721" y="4369955"/>
             <a:ext cx="1699767" cy="1388608"/>
           </a:xfrm>
           <a:prstGeom prst="rect">
@@ -19649,8 +20072,8 @@
         </p:nvCxnSpPr>
         <p:spPr>
           <a:xfrm>
-            <a:off x="5606285" y="6306543"/>
-            <a:ext cx="4470609" cy="0"/>
+            <a:off x="5190893" y="6306543"/>
+            <a:ext cx="3515209" cy="0"/>
           </a:xfrm>
           <a:prstGeom prst="line">
             <a:avLst/>
@@ -19690,7 +20113,7 @@
         </p:nvSpPr>
         <p:spPr>
           <a:xfrm>
-            <a:off x="10076895" y="6231193"/>
+            <a:off x="8706103" y="6231193"/>
             <a:ext cx="157003" cy="150700"/>
           </a:xfrm>
           <a:prstGeom prst="ellipse">
@@ -19757,7 +20180,7 @@
         </p:nvCxnSpPr>
         <p:spPr>
           <a:xfrm flipV="1">
-            <a:off x="10155396" y="5758563"/>
+            <a:off x="8784604" y="5758563"/>
             <a:ext cx="0" cy="472630"/>
           </a:xfrm>
           <a:prstGeom prst="line">
@@ -19813,7 +20236,7 @@
         </p:blipFill>
         <p:spPr bwMode="auto">
           <a:xfrm>
-            <a:off x="10827491" y="2496569"/>
+            <a:off x="9456699" y="2496569"/>
             <a:ext cx="1594461" cy="1600714"/>
           </a:xfrm>
           <a:prstGeom prst="rect">
@@ -19848,7 +20271,7 @@
         </p:nvCxnSpPr>
         <p:spPr>
           <a:xfrm rot="5400000">
-            <a:off x="10831514" y="4271050"/>
+            <a:off x="9460721" y="4271050"/>
             <a:ext cx="966977" cy="619442"/>
           </a:xfrm>
           <a:prstGeom prst="curvedConnector2">
@@ -19880,130 +20303,57 @@
       </p:cxnSp>
       <p:sp>
         <p:nvSpPr>
-          <p:cNvPr id="30" name="Oval 29">
+          <p:cNvPr id="43" name="TextBox 42">
             <a:extLst>
               <a:ext uri="{FF2B5EF4-FFF2-40B4-BE49-F238E27FC236}">
-                <a16:creationId xmlns:a16="http://schemas.microsoft.com/office/drawing/2014/main" id="{4A8EF3A7-61BC-41B6-84DD-5EEC9E0F0F84}"/>
+                <a16:creationId xmlns:a16="http://schemas.microsoft.com/office/drawing/2014/main" id="{4E31233E-70BF-4456-A433-DBDC83C447A5}"/>
               </a:ext>
             </a:extLst>
           </p:cNvPr>
-          <p:cNvSpPr/>
+          <p:cNvSpPr txBox="1"/>
           <p:nvPr/>
         </p:nvSpPr>
         <p:spPr>
           <a:xfrm>
-            <a:off x="1909712" y="5374376"/>
-            <a:ext cx="1374501" cy="1364141"/>
-          </a:xfrm>
-          <a:prstGeom prst="ellipse">
+            <a:off x="2820472" y="3567356"/>
+            <a:ext cx="1518364" cy="455830"/>
+          </a:xfrm>
+          <a:prstGeom prst="rect">
             <a:avLst/>
           </a:prstGeom>
-          <a:solidFill>
-            <a:schemeClr val="bg1"/>
-          </a:solidFill>
-          <a:ln>
-            <a:noFill/>
-          </a:ln>
-          <a:effectLst/>
-        </p:spPr>
-        <p:style>
-          <a:lnRef idx="2">
-            <a:schemeClr val="accent1"/>
-          </a:lnRef>
-          <a:fillRef idx="0">
-            <a:schemeClr val="accent1"/>
-          </a:fillRef>
-          <a:effectRef idx="1">
-            <a:schemeClr val="accent1"/>
-          </a:effectRef>
-          <a:fontRef idx="minor">
-            <a:schemeClr val="tx1"/>
-          </a:fontRef>
-        </p:style>
+          <a:noFill/>
+        </p:spPr>
         <p:txBody>
-          <a:bodyPr lIns="216003" tIns="216003" rIns="216003" bIns="216003" rtlCol="0" anchor="ctr"/>
+          <a:bodyPr wrap="none" rtlCol="0">
+            <a:spAutoFit/>
+          </a:bodyPr>
           <a:lstStyle/>
           <a:p>
-            <a:pPr algn="ctr" defTabSz="1079998">
-              <a:spcBef>
-                <a:spcPts val="709"/>
-              </a:spcBef>
-            </a:pPr>
-            <a:endParaRPr lang="en-US" sz="2362" dirty="0">
+            <a:pPr defTabSz="1079998"/>
+            <a:r>
+              <a:rPr lang="en-GB" sz="2362" dirty="0">
+                <a:solidFill>
+                  <a:srgbClr val="404040"/>
+                </a:solidFill>
+                <a:latin typeface="Consolas" panose="020B0609020204030204" pitchFamily="49" charset="0"/>
+              </a:rPr>
+              <a:t>/metrics</a:t>
+            </a:r>
+            <a:endParaRPr lang="en-US" sz="2362" dirty="0" err="1">
               <a:solidFill>
-                <a:srgbClr val="FFFFFF"/>
+                <a:srgbClr val="404040"/>
               </a:solidFill>
-              <a:latin typeface="Gotham Medium"/>
-            </a:endParaRPr>
-          </a:p>
-        </p:txBody>
-      </p:sp>
-      <p:sp>
-        <p:nvSpPr>
-          <p:cNvPr id="31" name="Oval 30">
-            <a:extLst>
-              <a:ext uri="{FF2B5EF4-FFF2-40B4-BE49-F238E27FC236}">
-                <a16:creationId xmlns:a16="http://schemas.microsoft.com/office/drawing/2014/main" id="{543D4A3D-1AE7-4AB9-8D64-5CD4BABE860C}"/>
-              </a:ext>
-            </a:extLst>
-          </p:cNvPr>
-          <p:cNvSpPr/>
-          <p:nvPr/>
-        </p:nvSpPr>
-        <p:spPr>
-          <a:xfrm>
-            <a:off x="1909712" y="5374376"/>
-            <a:ext cx="1374501" cy="1364141"/>
-          </a:xfrm>
-          <a:prstGeom prst="ellipse">
-            <a:avLst/>
-          </a:prstGeom>
-          <a:solidFill>
-            <a:schemeClr val="bg1"/>
-          </a:solidFill>
-          <a:ln>
-            <a:noFill/>
-          </a:ln>
-          <a:effectLst/>
-        </p:spPr>
-        <p:style>
-          <a:lnRef idx="2">
-            <a:schemeClr val="accent1"/>
-          </a:lnRef>
-          <a:fillRef idx="0">
-            <a:schemeClr val="accent1"/>
-          </a:fillRef>
-          <a:effectRef idx="1">
-            <a:schemeClr val="accent1"/>
-          </a:effectRef>
-          <a:fontRef idx="minor">
-            <a:schemeClr val="tx1"/>
-          </a:fontRef>
-        </p:style>
-        <p:txBody>
-          <a:bodyPr lIns="216003" tIns="216003" rIns="216003" bIns="216003" rtlCol="0" anchor="ctr"/>
-          <a:lstStyle/>
-          <a:p>
-            <a:pPr algn="ctr" defTabSz="1079998">
-              <a:spcBef>
-                <a:spcPts val="709"/>
-              </a:spcBef>
-            </a:pPr>
-            <a:endParaRPr lang="en-US" sz="2362" dirty="0">
-              <a:solidFill>
-                <a:srgbClr val="FFFFFF"/>
-              </a:solidFill>
-              <a:latin typeface="Gotham Medium"/>
+              <a:latin typeface="Consolas" panose="020B0609020204030204" pitchFamily="49" charset="0"/>
             </a:endParaRPr>
           </a:p>
         </p:txBody>
       </p:sp>
       <p:pic>
         <p:nvPicPr>
-          <p:cNvPr id="32" name="Picture 31">
+          <p:cNvPr id="44" name="Picture 43">
             <a:extLst>
               <a:ext uri="{FF2B5EF4-FFF2-40B4-BE49-F238E27FC236}">
-                <a16:creationId xmlns:a16="http://schemas.microsoft.com/office/drawing/2014/main" id="{174E298B-2935-41EF-997C-9BA7CBAE78A1}"/>
+                <a16:creationId xmlns:a16="http://schemas.microsoft.com/office/drawing/2014/main" id="{83674A1B-6978-42A0-8B42-7E5AAA9DD7A4}"/>
               </a:ext>
             </a:extLst>
           </p:cNvPr>
@@ -20034,12 +20384,321 @@
           </a:prstGeom>
         </p:spPr>
       </p:pic>
+      <p:pic>
+        <p:nvPicPr>
+          <p:cNvPr id="49" name="Picture 48">
+            <a:extLst>
+              <a:ext uri="{FF2B5EF4-FFF2-40B4-BE49-F238E27FC236}">
+                <a16:creationId xmlns:a16="http://schemas.microsoft.com/office/drawing/2014/main" id="{3EC2A3D0-D067-4A7E-8C4B-7DA2F1E522FF}"/>
+              </a:ext>
+            </a:extLst>
+          </p:cNvPr>
+          <p:cNvPicPr>
+            <a:picLocks noChangeAspect="1"/>
+          </p:cNvPicPr>
+          <p:nvPr/>
+        </p:nvPicPr>
+        <p:blipFill>
+          <a:blip r:embed="rId6" cstate="print">
+            <a:extLst>
+              <a:ext uri="{28A0092B-C50C-407E-A947-70E740481C1C}">
+                <a14:useLocalDpi xmlns:a14="http://schemas.microsoft.com/office/drawing/2010/main" val="0"/>
+              </a:ext>
+            </a:extLst>
+          </a:blip>
+          <a:stretch>
+            <a:fillRect/>
+          </a:stretch>
+        </p:blipFill>
+        <p:spPr>
+          <a:xfrm>
+            <a:off x="3074512" y="2444194"/>
+            <a:ext cx="1264324" cy="881075"/>
+          </a:xfrm>
+          <a:prstGeom prst="rect">
+            <a:avLst/>
+          </a:prstGeom>
+        </p:spPr>
+      </p:pic>
+      <p:cxnSp>
+        <p:nvCxnSpPr>
+          <p:cNvPr id="50" name="Straight Connector 49">
+            <a:extLst>
+              <a:ext uri="{FF2B5EF4-FFF2-40B4-BE49-F238E27FC236}">
+                <a16:creationId xmlns:a16="http://schemas.microsoft.com/office/drawing/2014/main" id="{69D55474-DCE0-4D52-BD9B-70891D37EDA1}"/>
+              </a:ext>
+            </a:extLst>
+          </p:cNvPr>
+          <p:cNvCxnSpPr>
+            <a:cxnSpLocks/>
+          </p:cNvCxnSpPr>
+          <p:nvPr/>
+        </p:nvCxnSpPr>
+        <p:spPr>
+          <a:xfrm flipH="1">
+            <a:off x="2723666" y="2884731"/>
+            <a:ext cx="265097" cy="1"/>
+          </a:xfrm>
+          <a:prstGeom prst="line">
+            <a:avLst/>
+          </a:prstGeom>
+          <a:ln>
+            <a:solidFill>
+              <a:srgbClr val="099CEC"/>
+            </a:solidFill>
+            <a:headEnd type="none"/>
+            <a:tailEnd type="none"/>
+          </a:ln>
+          <a:effectLst/>
+        </p:spPr>
+        <p:style>
+          <a:lnRef idx="2">
+            <a:schemeClr val="accent1"/>
+          </a:lnRef>
+          <a:fillRef idx="0">
+            <a:schemeClr val="accent1"/>
+          </a:fillRef>
+          <a:effectRef idx="1">
+            <a:schemeClr val="accent1"/>
+          </a:effectRef>
+          <a:fontRef idx="minor">
+            <a:schemeClr val="tx1"/>
+          </a:fontRef>
+        </p:style>
+      </p:cxnSp>
+      <p:sp>
+        <p:nvSpPr>
+          <p:cNvPr id="51" name="Oval 50">
+            <a:extLst>
+              <a:ext uri="{FF2B5EF4-FFF2-40B4-BE49-F238E27FC236}">
+                <a16:creationId xmlns:a16="http://schemas.microsoft.com/office/drawing/2014/main" id="{949E2542-1DF1-41BA-9419-CBA4195E4AEE}"/>
+              </a:ext>
+            </a:extLst>
+          </p:cNvPr>
+          <p:cNvSpPr/>
+          <p:nvPr/>
+        </p:nvSpPr>
+        <p:spPr>
+          <a:xfrm>
+            <a:off x="2631231" y="5402661"/>
+            <a:ext cx="1374501" cy="1364141"/>
+          </a:xfrm>
+          <a:prstGeom prst="ellipse">
+            <a:avLst/>
+          </a:prstGeom>
+          <a:solidFill>
+            <a:schemeClr val="bg1"/>
+          </a:solidFill>
+          <a:ln>
+            <a:noFill/>
+          </a:ln>
+          <a:effectLst/>
+        </p:spPr>
+        <p:style>
+          <a:lnRef idx="2">
+            <a:schemeClr val="accent1"/>
+          </a:lnRef>
+          <a:fillRef idx="0">
+            <a:schemeClr val="accent1"/>
+          </a:fillRef>
+          <a:effectRef idx="1">
+            <a:schemeClr val="accent1"/>
+          </a:effectRef>
+          <a:fontRef idx="minor">
+            <a:schemeClr val="tx1"/>
+          </a:fontRef>
+        </p:style>
+        <p:txBody>
+          <a:bodyPr lIns="216003" tIns="216003" rIns="216003" bIns="216003" rtlCol="0" anchor="ctr"/>
+          <a:lstStyle/>
+          <a:p>
+            <a:pPr algn="ctr" defTabSz="1079998">
+              <a:spcBef>
+                <a:spcPts val="709"/>
+              </a:spcBef>
+            </a:pPr>
+            <a:endParaRPr lang="en-US" sz="2362" dirty="0">
+              <a:solidFill>
+                <a:srgbClr val="FFFFFF"/>
+              </a:solidFill>
+              <a:latin typeface="Gotham Medium"/>
+            </a:endParaRPr>
+          </a:p>
+        </p:txBody>
+      </p:sp>
+      <p:sp>
+        <p:nvSpPr>
+          <p:cNvPr id="52" name="Oval 51">
+            <a:extLst>
+              <a:ext uri="{FF2B5EF4-FFF2-40B4-BE49-F238E27FC236}">
+                <a16:creationId xmlns:a16="http://schemas.microsoft.com/office/drawing/2014/main" id="{755E1EC1-CC14-415C-974F-85FBC2821367}"/>
+              </a:ext>
+            </a:extLst>
+          </p:cNvPr>
+          <p:cNvSpPr/>
+          <p:nvPr/>
+        </p:nvSpPr>
+        <p:spPr>
+          <a:xfrm>
+            <a:off x="1909712" y="5374376"/>
+            <a:ext cx="1374501" cy="1364141"/>
+          </a:xfrm>
+          <a:prstGeom prst="ellipse">
+            <a:avLst/>
+          </a:prstGeom>
+          <a:solidFill>
+            <a:schemeClr val="bg1"/>
+          </a:solidFill>
+          <a:ln>
+            <a:noFill/>
+          </a:ln>
+          <a:effectLst/>
+        </p:spPr>
+        <p:style>
+          <a:lnRef idx="2">
+            <a:schemeClr val="accent1"/>
+          </a:lnRef>
+          <a:fillRef idx="0">
+            <a:schemeClr val="accent1"/>
+          </a:fillRef>
+          <a:effectRef idx="1">
+            <a:schemeClr val="accent1"/>
+          </a:effectRef>
+          <a:fontRef idx="minor">
+            <a:schemeClr val="tx1"/>
+          </a:fontRef>
+        </p:style>
+        <p:txBody>
+          <a:bodyPr lIns="216003" tIns="216003" rIns="216003" bIns="216003" rtlCol="0" anchor="ctr"/>
+          <a:lstStyle/>
+          <a:p>
+            <a:pPr algn="ctr" defTabSz="1079998">
+              <a:spcBef>
+                <a:spcPts val="709"/>
+              </a:spcBef>
+            </a:pPr>
+            <a:endParaRPr lang="en-US" sz="2362" dirty="0">
+              <a:solidFill>
+                <a:srgbClr val="FFFFFF"/>
+              </a:solidFill>
+              <a:latin typeface="Gotham Medium"/>
+            </a:endParaRPr>
+          </a:p>
+        </p:txBody>
+      </p:sp>
+      <p:sp>
+        <p:nvSpPr>
+          <p:cNvPr id="53" name="TextBox 52">
+            <a:extLst>
+              <a:ext uri="{FF2B5EF4-FFF2-40B4-BE49-F238E27FC236}">
+                <a16:creationId xmlns:a16="http://schemas.microsoft.com/office/drawing/2014/main" id="{99178B80-81CB-4034-8D33-FB349C24248D}"/>
+              </a:ext>
+            </a:extLst>
+          </p:cNvPr>
+          <p:cNvSpPr txBox="1"/>
+          <p:nvPr/>
+        </p:nvSpPr>
+        <p:spPr>
+          <a:xfrm>
+            <a:off x="2820472" y="6881731"/>
+            <a:ext cx="1518364" cy="455830"/>
+          </a:xfrm>
+          <a:prstGeom prst="rect">
+            <a:avLst/>
+          </a:prstGeom>
+          <a:noFill/>
+        </p:spPr>
+        <p:txBody>
+          <a:bodyPr wrap="none" rtlCol="0">
+            <a:spAutoFit/>
+          </a:bodyPr>
+          <a:lstStyle/>
+          <a:p>
+            <a:pPr defTabSz="1079998"/>
+            <a:r>
+              <a:rPr lang="en-GB" sz="2362" dirty="0">
+                <a:solidFill>
+                  <a:srgbClr val="404040"/>
+                </a:solidFill>
+                <a:latin typeface="Consolas" panose="020B0609020204030204" pitchFamily="49" charset="0"/>
+              </a:rPr>
+              <a:t>/metrics</a:t>
+            </a:r>
+            <a:endParaRPr lang="en-US" sz="2362" dirty="0" err="1">
+              <a:solidFill>
+                <a:srgbClr val="404040"/>
+              </a:solidFill>
+              <a:latin typeface="Consolas" panose="020B0609020204030204" pitchFamily="49" charset="0"/>
+            </a:endParaRPr>
+          </a:p>
+        </p:txBody>
+      </p:sp>
+      <p:sp>
+        <p:nvSpPr>
+          <p:cNvPr id="54" name="Oval 53">
+            <a:extLst>
+              <a:ext uri="{FF2B5EF4-FFF2-40B4-BE49-F238E27FC236}">
+                <a16:creationId xmlns:a16="http://schemas.microsoft.com/office/drawing/2014/main" id="{13488A41-CC7F-4C79-8B7D-B7FA9B782775}"/>
+              </a:ext>
+            </a:extLst>
+          </p:cNvPr>
+          <p:cNvSpPr/>
+          <p:nvPr/>
+        </p:nvSpPr>
+        <p:spPr>
+          <a:xfrm>
+            <a:off x="1909712" y="5374376"/>
+            <a:ext cx="1374501" cy="1364141"/>
+          </a:xfrm>
+          <a:prstGeom prst="ellipse">
+            <a:avLst/>
+          </a:prstGeom>
+          <a:solidFill>
+            <a:schemeClr val="bg1"/>
+          </a:solidFill>
+          <a:ln>
+            <a:noFill/>
+          </a:ln>
+          <a:effectLst/>
+        </p:spPr>
+        <p:style>
+          <a:lnRef idx="2">
+            <a:schemeClr val="accent1"/>
+          </a:lnRef>
+          <a:fillRef idx="0">
+            <a:schemeClr val="accent1"/>
+          </a:fillRef>
+          <a:effectRef idx="1">
+            <a:schemeClr val="accent1"/>
+          </a:effectRef>
+          <a:fontRef idx="minor">
+            <a:schemeClr val="tx1"/>
+          </a:fontRef>
+        </p:style>
+        <p:txBody>
+          <a:bodyPr lIns="216003" tIns="216003" rIns="216003" bIns="216003" rtlCol="0" anchor="ctr"/>
+          <a:lstStyle/>
+          <a:p>
+            <a:pPr algn="ctr" defTabSz="1079998">
+              <a:spcBef>
+                <a:spcPts val="709"/>
+              </a:spcBef>
+            </a:pPr>
+            <a:endParaRPr lang="en-US" sz="2362" dirty="0">
+              <a:solidFill>
+                <a:srgbClr val="FFFFFF"/>
+              </a:solidFill>
+              <a:latin typeface="Gotham Medium"/>
+            </a:endParaRPr>
+          </a:p>
+        </p:txBody>
+      </p:sp>
       <p:grpSp>
         <p:nvGrpSpPr>
-          <p:cNvPr id="33" name="Group 32">
+          <p:cNvPr id="55" name="Group 54">
             <a:extLst>
               <a:ext uri="{FF2B5EF4-FFF2-40B4-BE49-F238E27FC236}">
-                <a16:creationId xmlns:a16="http://schemas.microsoft.com/office/drawing/2014/main" id="{8E710C05-FFF9-42D8-8BB9-3E0AFE062361}"/>
+                <a16:creationId xmlns:a16="http://schemas.microsoft.com/office/drawing/2014/main" id="{F32994B7-3A64-4431-BB6C-24235BE66423}"/>
               </a:ext>
             </a:extLst>
           </p:cNvPr>
@@ -20056,10 +20715,10 @@
         </p:grpSpPr>
         <p:pic>
           <p:nvPicPr>
-            <p:cNvPr id="34" name="Picture 33">
+            <p:cNvPr id="56" name="Picture 55">
               <a:extLst>
                 <a:ext uri="{FF2B5EF4-FFF2-40B4-BE49-F238E27FC236}">
-                  <a16:creationId xmlns:a16="http://schemas.microsoft.com/office/drawing/2014/main" id="{2423DF43-7993-4E67-A642-2C5CD4916507}"/>
+                  <a16:creationId xmlns:a16="http://schemas.microsoft.com/office/drawing/2014/main" id="{F95AAB47-46DC-42B0-958E-899DEBFD0555}"/>
                 </a:ext>
               </a:extLst>
             </p:cNvPr>
@@ -20069,7 +20728,7 @@
             <p:nvPr/>
           </p:nvPicPr>
           <p:blipFill>
-            <a:blip r:embed="rId6">
+            <a:blip r:embed="rId7">
               <a:duotone>
                 <a:schemeClr val="bg2">
                   <a:shade val="45000"/>
@@ -20099,10 +20758,10 @@
         </p:pic>
         <p:sp>
           <p:nvSpPr>
-            <p:cNvPr id="35" name="Oval 34">
+            <p:cNvPr id="57" name="Oval 56">
               <a:extLst>
                 <a:ext uri="{FF2B5EF4-FFF2-40B4-BE49-F238E27FC236}">
-                  <a16:creationId xmlns:a16="http://schemas.microsoft.com/office/drawing/2014/main" id="{0F7339BC-1A05-4A3B-AC3D-4209A6C2CF07}"/>
+                  <a16:creationId xmlns:a16="http://schemas.microsoft.com/office/drawing/2014/main" id="{2CC30D60-4ED2-4A65-94E0-22C5CAC25786}"/>
                 </a:ext>
               </a:extLst>
             </p:cNvPr>
@@ -20159,10 +20818,10 @@
         </p:sp>
         <p:pic>
           <p:nvPicPr>
-            <p:cNvPr id="36" name="Picture 4" descr="Image result for tux linux logo">
+            <p:cNvPr id="58" name="Picture 4" descr="Image result for tux linux logo">
               <a:extLst>
                 <a:ext uri="{FF2B5EF4-FFF2-40B4-BE49-F238E27FC236}">
-                  <a16:creationId xmlns:a16="http://schemas.microsoft.com/office/drawing/2014/main" id="{D62EA7C3-FD59-4A47-A105-DA7C41D2B041}"/>
+                  <a16:creationId xmlns:a16="http://schemas.microsoft.com/office/drawing/2014/main" id="{A97E4D53-C147-4EA0-87F0-64C4FB5C9873}"/>
                 </a:ext>
               </a:extLst>
             </p:cNvPr>
@@ -20172,7 +20831,7 @@
             <p:nvPr/>
           </p:nvPicPr>
           <p:blipFill>
-            <a:blip r:embed="rId7">
+            <a:blip r:embed="rId8">
               <a:extLst>
                 <a:ext uri="{28A0092B-C50C-407E-A947-70E740481C1C}">
                   <a14:useLocalDpi xmlns:a14="http://schemas.microsoft.com/office/drawing/2010/main" val="0"/>
@@ -20205,10 +20864,92 @@
           </p:spPr>
         </p:pic>
       </p:grpSp>
+      <p:pic>
+        <p:nvPicPr>
+          <p:cNvPr id="59" name="Picture 58">
+            <a:extLst>
+              <a:ext uri="{FF2B5EF4-FFF2-40B4-BE49-F238E27FC236}">
+                <a16:creationId xmlns:a16="http://schemas.microsoft.com/office/drawing/2014/main" id="{2DFE145B-9327-4867-B09D-9BFF4F31EB00}"/>
+              </a:ext>
+            </a:extLst>
+          </p:cNvPr>
+          <p:cNvPicPr>
+            <a:picLocks noChangeAspect="1"/>
+          </p:cNvPicPr>
+          <p:nvPr/>
+        </p:nvPicPr>
+        <p:blipFill>
+          <a:blip r:embed="rId6" cstate="print">
+            <a:extLst>
+              <a:ext uri="{28A0092B-C50C-407E-A947-70E740481C1C}">
+                <a14:useLocalDpi xmlns:a14="http://schemas.microsoft.com/office/drawing/2010/main" val="0"/>
+              </a:ext>
+            </a:extLst>
+          </a:blip>
+          <a:stretch>
+            <a:fillRect/>
+          </a:stretch>
+        </p:blipFill>
+        <p:spPr>
+          <a:xfrm>
+            <a:off x="2988763" y="5765872"/>
+            <a:ext cx="1264324" cy="881075"/>
+          </a:xfrm>
+          <a:prstGeom prst="rect">
+            <a:avLst/>
+          </a:prstGeom>
+        </p:spPr>
+      </p:pic>
+      <p:cxnSp>
+        <p:nvCxnSpPr>
+          <p:cNvPr id="60" name="Straight Connector 59">
+            <a:extLst>
+              <a:ext uri="{FF2B5EF4-FFF2-40B4-BE49-F238E27FC236}">
+                <a16:creationId xmlns:a16="http://schemas.microsoft.com/office/drawing/2014/main" id="{BEEB088B-9B52-4D58-9457-8116198D37FE}"/>
+              </a:ext>
+            </a:extLst>
+          </p:cNvPr>
+          <p:cNvCxnSpPr>
+            <a:cxnSpLocks/>
+          </p:cNvCxnSpPr>
+          <p:nvPr/>
+        </p:nvCxnSpPr>
+        <p:spPr>
+          <a:xfrm flipH="1">
+            <a:off x="2526511" y="6283698"/>
+            <a:ext cx="357667" cy="0"/>
+          </a:xfrm>
+          <a:prstGeom prst="line">
+            <a:avLst/>
+          </a:prstGeom>
+          <a:ln>
+            <a:solidFill>
+              <a:schemeClr val="accent1"/>
+            </a:solidFill>
+            <a:headEnd type="none"/>
+            <a:tailEnd type="none"/>
+          </a:ln>
+          <a:effectLst/>
+        </p:spPr>
+        <p:style>
+          <a:lnRef idx="2">
+            <a:schemeClr val="accent1"/>
+          </a:lnRef>
+          <a:fillRef idx="0">
+            <a:schemeClr val="accent1"/>
+          </a:fillRef>
+          <a:effectRef idx="1">
+            <a:schemeClr val="accent1"/>
+          </a:effectRef>
+          <a:fontRef idx="minor">
+            <a:schemeClr val="tx1"/>
+          </a:fontRef>
+        </p:style>
+      </p:cxnSp>
     </p:spTree>
     <p:extLst>
       <p:ext uri="{BB962C8B-B14F-4D97-AF65-F5344CB8AC3E}">
-        <p14:creationId xmlns:p14="http://schemas.microsoft.com/office/powerpoint/2010/main" val="901570090"/>
+        <p14:creationId xmlns:p14="http://schemas.microsoft.com/office/powerpoint/2010/main" val="929332946"/>
       </p:ext>
     </p:extLst>
   </p:cSld>
@@ -20227,9 +20968,6 @@
                     <p:cTn id="3" fill="hold">
                       <p:stCondLst>
                         <p:cond delay="indefinite"/>
-                        <p:cond evt="onBegin" delay="0">
-                          <p:tn val="2"/>
-                        </p:cond>
                       </p:stCondLst>
                       <p:childTnLst>
                         <p:par>
@@ -20239,7 +20977,7 @@
                             </p:stCondLst>
                             <p:childTnLst>
                               <p:par>
-                                <p:cTn id="5" presetID="1" presetClass="entr" presetSubtype="0" fill="hold" nodeType="withEffect">
+                                <p:cTn id="5" presetID="1" presetClass="entr" presetSubtype="0" fill="hold" nodeType="clickEffect">
                                   <p:stCondLst>
                                     <p:cond delay="0"/>
                                   </p:stCondLst>
@@ -20252,7 +20990,7 @@
                                           </p:stCondLst>
                                         </p:cTn>
                                         <p:tgtEl>
-                                          <p:spTgt spid="19"/>
+                                          <p:spTgt spid="25"/>
                                         </p:tgtEl>
                                         <p:attrNameLst>
                                           <p:attrName>style.visibility</p:attrName>
@@ -20279,7 +21017,7 @@
                                           </p:stCondLst>
                                         </p:cTn>
                                         <p:tgtEl>
-                                          <p:spTgt spid="20"/>
+                                          <p:spTgt spid="28"/>
                                         </p:tgtEl>
                                         <p:attrNameLst>
                                           <p:attrName>style.visibility</p:attrName>
@@ -20306,7 +21044,7 @@
                                           </p:stCondLst>
                                         </p:cTn>
                                         <p:tgtEl>
-                                          <p:spTgt spid="21"/>
+                                          <p:spTgt spid="29"/>
                                         </p:tgtEl>
                                         <p:attrNameLst>
                                           <p:attrName>style.visibility</p:attrName>
@@ -20333,7 +21071,7 @@
                                           </p:stCondLst>
                                         </p:cTn>
                                         <p:tgtEl>
-                                          <p:spTgt spid="67"/>
+                                          <p:spTgt spid="4098"/>
                                         </p:tgtEl>
                                         <p:attrNameLst>
                                           <p:attrName>style.visibility</p:attrName>
@@ -20347,7 +21085,7 @@
                                 </p:cTn>
                               </p:par>
                               <p:par>
-                                <p:cTn id="13" presetID="1" presetClass="entr" presetSubtype="0" fill="hold" grpId="0" nodeType="withEffect">
+                                <p:cTn id="13" presetID="1" presetClass="entr" presetSubtype="0" fill="hold" nodeType="withEffect">
                                   <p:stCondLst>
                                     <p:cond delay="0"/>
                                   </p:stCondLst>
@@ -20360,7 +21098,7 @@
                                           </p:stCondLst>
                                         </p:cTn>
                                         <p:tgtEl>
-                                          <p:spTgt spid="68"/>
+                                          <p:spTgt spid="16"/>
                                         </p:tgtEl>
                                         <p:attrNameLst>
                                           <p:attrName>style.visibility</p:attrName>
@@ -20387,88 +21125,7 @@
                                           </p:stCondLst>
                                         </p:cTn>
                                         <p:tgtEl>
-                                          <p:spTgt spid="69"/>
-                                        </p:tgtEl>
-                                        <p:attrNameLst>
-                                          <p:attrName>style.visibility</p:attrName>
-                                        </p:attrNameLst>
-                                      </p:cBhvr>
-                                      <p:to>
-                                        <p:strVal val="visible"/>
-                                      </p:to>
-                                    </p:set>
-                                  </p:childTnLst>
-                                </p:cTn>
-                              </p:par>
-                              <p:par>
-                                <p:cTn id="17" presetID="1" presetClass="entr" presetSubtype="0" fill="hold" nodeType="withEffect">
-                                  <p:stCondLst>
-                                    <p:cond delay="0"/>
-                                  </p:stCondLst>
-                                  <p:childTnLst>
-                                    <p:set>
-                                      <p:cBhvr>
-                                        <p:cTn id="18" dur="1" fill="hold">
-                                          <p:stCondLst>
-                                            <p:cond delay="0"/>
-                                          </p:stCondLst>
-                                        </p:cTn>
-                                        <p:tgtEl>
                                           <p:spTgt spid="27"/>
-                                        </p:tgtEl>
-                                        <p:attrNameLst>
-                                          <p:attrName>style.visibility</p:attrName>
-                                        </p:attrNameLst>
-                                      </p:cBhvr>
-                                      <p:to>
-                                        <p:strVal val="visible"/>
-                                      </p:to>
-                                    </p:set>
-                                  </p:childTnLst>
-                                </p:cTn>
-                              </p:par>
-                              <p:par>
-                                <p:cTn id="19" presetID="1" presetClass="entr" presetSubtype="0" fill="hold" grpId="0" nodeType="withEffect">
-                                  <p:stCondLst>
-                                    <p:cond delay="0"/>
-                                  </p:stCondLst>
-                                  <p:childTnLst>
-                                    <p:set>
-                                      <p:cBhvr>
-                                        <p:cTn id="20" dur="1" fill="hold">
-                                          <p:stCondLst>
-                                            <p:cond delay="0"/>
-                                          </p:stCondLst>
-                                        </p:cTn>
-                                        <p:tgtEl>
-                                          <p:spTgt spid="28"/>
-                                        </p:tgtEl>
-                                        <p:attrNameLst>
-                                          <p:attrName>style.visibility</p:attrName>
-                                        </p:attrNameLst>
-                                      </p:cBhvr>
-                                      <p:to>
-                                        <p:strVal val="visible"/>
-                                      </p:to>
-                                    </p:set>
-                                  </p:childTnLst>
-                                </p:cTn>
-                              </p:par>
-                              <p:par>
-                                <p:cTn id="21" presetID="1" presetClass="entr" presetSubtype="0" fill="hold" nodeType="withEffect">
-                                  <p:stCondLst>
-                                    <p:cond delay="0"/>
-                                  </p:stCondLst>
-                                  <p:childTnLst>
-                                    <p:set>
-                                      <p:cBhvr>
-                                        <p:cTn id="22" dur="1" fill="hold">
-                                          <p:stCondLst>
-                                            <p:cond delay="0"/>
-                                          </p:stCondLst>
-                                        </p:cTn>
-                                        <p:tgtEl>
-                                          <p:spTgt spid="29"/>
                                         </p:tgtEl>
                                         <p:attrNameLst>
                                           <p:attrName>style.visibility</p:attrName>
@@ -20509,8 +21166,6 @@
       </p:par>
     </p:tnLst>
     <p:bldLst>
-      <p:bldP spid="20" grpId="0" animBg="1"/>
-      <p:bldP spid="68" grpId="0" animBg="1"/>
       <p:bldP spid="28" grpId="0" animBg="1"/>
     </p:bldLst>
   </p:timing>
@@ -20534,195 +21189,6 @@
           <a:chExt cx="0" cy="0"/>
         </a:xfrm>
       </p:grpSpPr>
-      <p:grpSp>
-        <p:nvGrpSpPr>
-          <p:cNvPr id="2" name="Group 1">
-            <a:extLst>
-              <a:ext uri="{FF2B5EF4-FFF2-40B4-BE49-F238E27FC236}">
-                <a16:creationId xmlns:a16="http://schemas.microsoft.com/office/drawing/2014/main" id="{A186ACCF-0FCF-4688-927A-699865417FFA}"/>
-              </a:ext>
-            </a:extLst>
-          </p:cNvPr>
-          <p:cNvGrpSpPr/>
-          <p:nvPr/>
-        </p:nvGrpSpPr>
-        <p:grpSpPr>
-          <a:xfrm>
-            <a:off x="1645219" y="1592139"/>
-            <a:ext cx="2553435" cy="2505143"/>
-            <a:chOff x="1036373" y="3476349"/>
-            <a:chExt cx="2161876" cy="2120990"/>
-          </a:xfrm>
-        </p:grpSpPr>
-        <p:pic>
-          <p:nvPicPr>
-            <p:cNvPr id="3" name="Picture 2">
-              <a:extLst>
-                <a:ext uri="{FF2B5EF4-FFF2-40B4-BE49-F238E27FC236}">
-                  <a16:creationId xmlns:a16="http://schemas.microsoft.com/office/drawing/2014/main" id="{D1E3FF10-77CA-4EFC-8C2C-34923F5B7D8B}"/>
-                </a:ext>
-              </a:extLst>
-            </p:cNvPr>
-            <p:cNvPicPr>
-              <a:picLocks noChangeAspect="1"/>
-            </p:cNvPicPr>
-            <p:nvPr/>
-          </p:nvPicPr>
-          <p:blipFill>
-            <a:blip r:embed="rId2">
-              <a:extLst>
-                <a:ext uri="{28A0092B-C50C-407E-A947-70E740481C1C}">
-                  <a14:useLocalDpi xmlns:a14="http://schemas.microsoft.com/office/drawing/2010/main" val="0"/>
-                </a:ext>
-              </a:extLst>
-            </a:blip>
-            <a:stretch>
-              <a:fillRect/>
-            </a:stretch>
-          </p:blipFill>
-          <p:spPr>
-            <a:xfrm>
-              <a:off x="1036373" y="3476349"/>
-              <a:ext cx="2161876" cy="2120990"/>
-            </a:xfrm>
-            <a:prstGeom prst="rect">
-              <a:avLst/>
-            </a:prstGeom>
-          </p:spPr>
-        </p:pic>
-        <p:sp>
-          <p:nvSpPr>
-            <p:cNvPr id="4" name="Oval 3">
-              <a:extLst>
-                <a:ext uri="{FF2B5EF4-FFF2-40B4-BE49-F238E27FC236}">
-                  <a16:creationId xmlns:a16="http://schemas.microsoft.com/office/drawing/2014/main" id="{2C1A6691-89AC-4B21-88F8-E2BD76B4254F}"/>
-                </a:ext>
-              </a:extLst>
-            </p:cNvPr>
-            <p:cNvSpPr/>
-            <p:nvPr/>
-          </p:nvSpPr>
-          <p:spPr>
-            <a:xfrm>
-              <a:off x="1871183" y="3865829"/>
-              <a:ext cx="1163727" cy="1154956"/>
-            </a:xfrm>
-            <a:prstGeom prst="ellipse">
-              <a:avLst/>
-            </a:prstGeom>
-            <a:solidFill>
-              <a:schemeClr val="bg1"/>
-            </a:solidFill>
-            <a:ln>
-              <a:noFill/>
-            </a:ln>
-            <a:effectLst/>
-          </p:spPr>
-          <p:style>
-            <a:lnRef idx="2">
-              <a:schemeClr val="accent1"/>
-            </a:lnRef>
-            <a:fillRef idx="0">
-              <a:schemeClr val="accent1"/>
-            </a:fillRef>
-            <a:effectRef idx="1">
-              <a:schemeClr val="accent1"/>
-            </a:effectRef>
-            <a:fontRef idx="minor">
-              <a:schemeClr val="tx1"/>
-            </a:fontRef>
-          </p:style>
-          <p:txBody>
-            <a:bodyPr lIns="216003" tIns="216003" rIns="216003" bIns="216003" rtlCol="0" anchor="ctr"/>
-            <a:lstStyle/>
-            <a:p>
-              <a:pPr algn="ctr" defTabSz="1079998">
-                <a:spcBef>
-                  <a:spcPts val="709"/>
-                </a:spcBef>
-              </a:pPr>
-              <a:endParaRPr lang="en-US" sz="2362" dirty="0">
-                <a:solidFill>
-                  <a:srgbClr val="FFFFFF"/>
-                </a:solidFill>
-                <a:latin typeface="Gotham Medium"/>
-              </a:endParaRPr>
-            </a:p>
-          </p:txBody>
-        </p:sp>
-        <p:pic>
-          <p:nvPicPr>
-            <p:cNvPr id="5" name="Picture 4">
-              <a:extLst>
-                <a:ext uri="{FF2B5EF4-FFF2-40B4-BE49-F238E27FC236}">
-                  <a16:creationId xmlns:a16="http://schemas.microsoft.com/office/drawing/2014/main" id="{3A26B0AB-3139-4F58-A92E-2515169EB78C}"/>
-                </a:ext>
-              </a:extLst>
-            </p:cNvPr>
-            <p:cNvPicPr>
-              <a:picLocks noChangeAspect="1"/>
-            </p:cNvPicPr>
-            <p:nvPr/>
-          </p:nvPicPr>
-          <p:blipFill>
-            <a:blip r:embed="rId3" cstate="print">
-              <a:extLst>
-                <a:ext uri="{28A0092B-C50C-407E-A947-70E740481C1C}">
-                  <a14:useLocalDpi xmlns:a14="http://schemas.microsoft.com/office/drawing/2010/main" val="0"/>
-                </a:ext>
-              </a:extLst>
-            </a:blip>
-            <a:stretch>
-              <a:fillRect/>
-            </a:stretch>
-          </p:blipFill>
-          <p:spPr>
-            <a:xfrm>
-              <a:off x="1964465" y="4070324"/>
-              <a:ext cx="1070445" cy="745966"/>
-            </a:xfrm>
-            <a:prstGeom prst="rect">
-              <a:avLst/>
-            </a:prstGeom>
-          </p:spPr>
-        </p:pic>
-      </p:grpSp>
-      <p:pic>
-        <p:nvPicPr>
-          <p:cNvPr id="6" name="Picture 5">
-            <a:extLst>
-              <a:ext uri="{FF2B5EF4-FFF2-40B4-BE49-F238E27FC236}">
-                <a16:creationId xmlns:a16="http://schemas.microsoft.com/office/drawing/2014/main" id="{49DF837E-DD17-4E4E-B9A9-CD48330746B6}"/>
-              </a:ext>
-            </a:extLst>
-          </p:cNvPr>
-          <p:cNvPicPr>
-            <a:picLocks noChangeAspect="1"/>
-          </p:cNvPicPr>
-          <p:nvPr/>
-        </p:nvPicPr>
-        <p:blipFill>
-          <a:blip r:embed="rId4" cstate="print">
-            <a:extLst>
-              <a:ext uri="{28A0092B-C50C-407E-A947-70E740481C1C}">
-                <a14:useLocalDpi xmlns:a14="http://schemas.microsoft.com/office/drawing/2010/main" val="0"/>
-              </a:ext>
-            </a:extLst>
-          </a:blip>
-          <a:stretch>
-            <a:fillRect/>
-          </a:stretch>
-        </p:blipFill>
-        <p:spPr>
-          <a:xfrm>
-            <a:off x="1645219" y="4937045"/>
-            <a:ext cx="2553435" cy="2499234"/>
-          </a:xfrm>
-          <a:prstGeom prst="rect">
-            <a:avLst/>
-          </a:prstGeom>
-        </p:spPr>
-      </p:pic>
       <p:sp>
         <p:nvSpPr>
           <p:cNvPr id="7" name="Oval 6">
@@ -20737,7 +21203,7 @@
         </p:nvSpPr>
         <p:spPr>
           <a:xfrm>
-            <a:off x="2631231" y="5402661"/>
+            <a:off x="2215839" y="5402661"/>
             <a:ext cx="1374501" cy="1364141"/>
           </a:xfrm>
           <a:prstGeom prst="ellipse">
@@ -20785,10 +21251,46 @@
       </p:sp>
       <p:pic>
         <p:nvPicPr>
-          <p:cNvPr id="8" name="Picture 7">
+          <p:cNvPr id="9" name="Picture 8">
             <a:extLst>
               <a:ext uri="{FF2B5EF4-FFF2-40B4-BE49-F238E27FC236}">
-                <a16:creationId xmlns:a16="http://schemas.microsoft.com/office/drawing/2014/main" id="{A55A6A8D-C2B5-4643-B4A2-729EC2696C26}"/>
+                <a16:creationId xmlns:a16="http://schemas.microsoft.com/office/drawing/2014/main" id="{1F30711D-15A9-4248-ACCA-964E2923E2A9}"/>
+              </a:ext>
+            </a:extLst>
+          </p:cNvPr>
+          <p:cNvPicPr>
+            <a:picLocks noChangeAspect="1"/>
+          </p:cNvPicPr>
+          <p:nvPr/>
+        </p:nvPicPr>
+        <p:blipFill>
+          <a:blip r:embed="rId2" cstate="print">
+            <a:extLst>
+              <a:ext uri="{28A0092B-C50C-407E-A947-70E740481C1C}">
+                <a14:useLocalDpi xmlns:a14="http://schemas.microsoft.com/office/drawing/2010/main" val="0"/>
+              </a:ext>
+            </a:extLst>
+          </a:blip>
+          <a:stretch>
+            <a:fillRect/>
+          </a:stretch>
+        </p:blipFill>
+        <p:spPr>
+          <a:xfrm>
+            <a:off x="4296921" y="850829"/>
+            <a:ext cx="1695614" cy="1385215"/>
+          </a:xfrm>
+          <a:prstGeom prst="rect">
+            <a:avLst/>
+          </a:prstGeom>
+        </p:spPr>
+      </p:pic>
+      <p:pic>
+        <p:nvPicPr>
+          <p:cNvPr id="10" name="Picture 9">
+            <a:extLst>
+              <a:ext uri="{FF2B5EF4-FFF2-40B4-BE49-F238E27FC236}">
+                <a16:creationId xmlns:a16="http://schemas.microsoft.com/office/drawing/2014/main" id="{42A69136-6DAB-43F9-B2EA-BF9CE53F20D1}"/>
               </a:ext>
             </a:extLst>
           </p:cNvPr>
@@ -20811,79 +21313,7 @@
         </p:blipFill>
         <p:spPr>
           <a:xfrm>
-            <a:off x="2741408" y="5644194"/>
-            <a:ext cx="1264324" cy="881075"/>
-          </a:xfrm>
-          <a:prstGeom prst="rect">
-            <a:avLst/>
-          </a:prstGeom>
-        </p:spPr>
-      </p:pic>
-      <p:pic>
-        <p:nvPicPr>
-          <p:cNvPr id="9" name="Picture 8">
-            <a:extLst>
-              <a:ext uri="{FF2B5EF4-FFF2-40B4-BE49-F238E27FC236}">
-                <a16:creationId xmlns:a16="http://schemas.microsoft.com/office/drawing/2014/main" id="{1F30711D-15A9-4248-ACCA-964E2923E2A9}"/>
-              </a:ext>
-            </a:extLst>
-          </p:cNvPr>
-          <p:cNvPicPr>
-            <a:picLocks noChangeAspect="1"/>
-          </p:cNvPicPr>
-          <p:nvPr/>
-        </p:nvPicPr>
-        <p:blipFill>
-          <a:blip r:embed="rId5" cstate="print">
-            <a:extLst>
-              <a:ext uri="{28A0092B-C50C-407E-A947-70E740481C1C}">
-                <a14:useLocalDpi xmlns:a14="http://schemas.microsoft.com/office/drawing/2010/main" val="0"/>
-              </a:ext>
-            </a:extLst>
-          </a:blip>
-          <a:stretch>
-            <a:fillRect/>
-          </a:stretch>
-        </p:blipFill>
-        <p:spPr>
-          <a:xfrm>
-            <a:off x="4712313" y="850829"/>
-            <a:ext cx="1695614" cy="1385215"/>
-          </a:xfrm>
-          <a:prstGeom prst="rect">
-            <a:avLst/>
-          </a:prstGeom>
-        </p:spPr>
-      </p:pic>
-      <p:pic>
-        <p:nvPicPr>
-          <p:cNvPr id="10" name="Picture 9">
-            <a:extLst>
-              <a:ext uri="{FF2B5EF4-FFF2-40B4-BE49-F238E27FC236}">
-                <a16:creationId xmlns:a16="http://schemas.microsoft.com/office/drawing/2014/main" id="{42A69136-6DAB-43F9-B2EA-BF9CE53F20D1}"/>
-              </a:ext>
-            </a:extLst>
-          </p:cNvPr>
-          <p:cNvPicPr>
-            <a:picLocks noChangeAspect="1"/>
-          </p:cNvPicPr>
-          <p:nvPr/>
-        </p:nvPicPr>
-        <p:blipFill>
-          <a:blip r:embed="rId6" cstate="print">
-            <a:extLst>
-              <a:ext uri="{28A0092B-C50C-407E-A947-70E740481C1C}">
-                <a14:useLocalDpi xmlns:a14="http://schemas.microsoft.com/office/drawing/2010/main" val="0"/>
-              </a:ext>
-            </a:extLst>
-          </a:blip>
-          <a:stretch>
-            <a:fillRect/>
-          </a:stretch>
-        </p:blipFill>
-        <p:spPr>
-          <a:xfrm>
-            <a:off x="4677901" y="4369955"/>
+            <a:off x="4262509" y="4369955"/>
             <a:ext cx="1699767" cy="1388608"/>
           </a:xfrm>
           <a:prstGeom prst="rect">
@@ -20902,14 +21332,13 @@
           </p:cNvPr>
           <p:cNvCxnSpPr>
             <a:cxnSpLocks/>
-            <a:stCxn id="3" idx="3"/>
             <a:endCxn id="20" idx="2"/>
           </p:cNvCxnSpPr>
           <p:nvPr/>
         </p:nvCxnSpPr>
         <p:spPr>
           <a:xfrm>
-            <a:off x="4198654" y="2844711"/>
+            <a:off x="3783262" y="2844711"/>
             <a:ext cx="1282965" cy="1"/>
           </a:xfrm>
           <a:prstGeom prst="line">
@@ -20950,7 +21379,7 @@
         </p:nvSpPr>
         <p:spPr>
           <a:xfrm>
-            <a:off x="5481620" y="2769362"/>
+            <a:off x="5066228" y="2769362"/>
             <a:ext cx="157003" cy="150700"/>
           </a:xfrm>
           <a:prstGeom prst="ellipse">
@@ -21017,7 +21446,7 @@
         </p:nvCxnSpPr>
         <p:spPr>
           <a:xfrm flipH="1" flipV="1">
-            <a:off x="5560121" y="2236045"/>
+            <a:off x="5144729" y="2236045"/>
             <a:ext cx="1" cy="533317"/>
           </a:xfrm>
           <a:prstGeom prst="line">
@@ -21061,7 +21490,7 @@
         </p:nvCxnSpPr>
         <p:spPr>
           <a:xfrm>
-            <a:off x="4166317" y="6306543"/>
+            <a:off x="3750926" y="6306543"/>
             <a:ext cx="1282965" cy="1"/>
           </a:xfrm>
           <a:prstGeom prst="line">
@@ -21102,7 +21531,7 @@
         </p:nvSpPr>
         <p:spPr>
           <a:xfrm>
-            <a:off x="5449283" y="6231193"/>
+            <a:off x="5033891" y="6231193"/>
             <a:ext cx="157003" cy="150700"/>
           </a:xfrm>
           <a:prstGeom prst="ellipse">
@@ -21169,7 +21598,7 @@
         </p:nvCxnSpPr>
         <p:spPr>
           <a:xfrm flipV="1">
-            <a:off x="5527784" y="5758563"/>
+            <a:off x="5112393" y="5758563"/>
             <a:ext cx="0" cy="472630"/>
           </a:xfrm>
           <a:prstGeom prst="line">
@@ -21210,7 +21639,7 @@
         </p:nvSpPr>
         <p:spPr>
           <a:xfrm>
-            <a:off x="6575392" y="1010934"/>
+            <a:off x="6160000" y="1010934"/>
             <a:ext cx="1518364" cy="455830"/>
           </a:xfrm>
           <a:prstGeom prst="rect">
@@ -21257,101 +21686,7 @@
         </p:nvSpPr>
         <p:spPr>
           <a:xfrm>
-            <a:off x="6575392" y="4504952"/>
-            <a:ext cx="1518364" cy="455830"/>
-          </a:xfrm>
-          <a:prstGeom prst="rect">
-            <a:avLst/>
-          </a:prstGeom>
-          <a:noFill/>
-        </p:spPr>
-        <p:txBody>
-          <a:bodyPr wrap="none" rtlCol="0">
-            <a:spAutoFit/>
-          </a:bodyPr>
-          <a:lstStyle/>
-          <a:p>
-            <a:pPr defTabSz="1079998"/>
-            <a:r>
-              <a:rPr lang="en-GB" sz="2362" dirty="0">
-                <a:solidFill>
-                  <a:srgbClr val="404040"/>
-                </a:solidFill>
-                <a:latin typeface="Consolas" panose="020B0609020204030204" pitchFamily="49" charset="0"/>
-              </a:rPr>
-              <a:t>/metrics</a:t>
-            </a:r>
-            <a:endParaRPr lang="en-US" sz="2362" dirty="0" err="1">
-              <a:solidFill>
-                <a:srgbClr val="404040"/>
-              </a:solidFill>
-              <a:latin typeface="Consolas" panose="020B0609020204030204" pitchFamily="49" charset="0"/>
-            </a:endParaRPr>
-          </a:p>
-        </p:txBody>
-      </p:sp>
-      <p:sp>
-        <p:nvSpPr>
-          <p:cNvPr id="23" name="TextBox 22">
-            <a:extLst>
-              <a:ext uri="{FF2B5EF4-FFF2-40B4-BE49-F238E27FC236}">
-                <a16:creationId xmlns:a16="http://schemas.microsoft.com/office/drawing/2014/main" id="{29E805CB-F4DA-4DCE-8BFD-F1B4510CAE9C}"/>
-              </a:ext>
-            </a:extLst>
-          </p:cNvPr>
-          <p:cNvSpPr txBox="1"/>
-          <p:nvPr/>
-        </p:nvSpPr>
-        <p:spPr>
-          <a:xfrm>
-            <a:off x="3541991" y="6910016"/>
-            <a:ext cx="1518364" cy="455830"/>
-          </a:xfrm>
-          <a:prstGeom prst="rect">
-            <a:avLst/>
-          </a:prstGeom>
-          <a:noFill/>
-        </p:spPr>
-        <p:txBody>
-          <a:bodyPr wrap="none" rtlCol="0">
-            <a:spAutoFit/>
-          </a:bodyPr>
-          <a:lstStyle/>
-          <a:p>
-            <a:pPr defTabSz="1079998"/>
-            <a:r>
-              <a:rPr lang="en-GB" sz="2362" dirty="0">
-                <a:solidFill>
-                  <a:srgbClr val="404040"/>
-                </a:solidFill>
-                <a:latin typeface="Consolas" panose="020B0609020204030204" pitchFamily="49" charset="0"/>
-              </a:rPr>
-              <a:t>/metrics</a:t>
-            </a:r>
-            <a:endParaRPr lang="en-US" sz="2362" dirty="0" err="1">
-              <a:solidFill>
-                <a:srgbClr val="404040"/>
-              </a:solidFill>
-              <a:latin typeface="Consolas" panose="020B0609020204030204" pitchFamily="49" charset="0"/>
-            </a:endParaRPr>
-          </a:p>
-        </p:txBody>
-      </p:sp>
-      <p:sp>
-        <p:nvSpPr>
-          <p:cNvPr id="24" name="TextBox 23">
-            <a:extLst>
-              <a:ext uri="{FF2B5EF4-FFF2-40B4-BE49-F238E27FC236}">
-                <a16:creationId xmlns:a16="http://schemas.microsoft.com/office/drawing/2014/main" id="{902877C1-D816-4A66-8836-7E0B4E529764}"/>
-              </a:ext>
-            </a:extLst>
-          </p:cNvPr>
-          <p:cNvSpPr txBox="1"/>
-          <p:nvPr/>
-        </p:nvSpPr>
-        <p:spPr>
-          <a:xfrm>
-            <a:off x="3541991" y="3595641"/>
+            <a:off x="6160000" y="4504952"/>
             <a:ext cx="1518364" cy="455830"/>
           </a:xfrm>
           <a:prstGeom prst="rect">
@@ -21399,7 +21734,7 @@
           <p:nvPr/>
         </p:nvPicPr>
         <p:blipFill>
-          <a:blip r:embed="rId6" cstate="print">
+          <a:blip r:embed="rId3" cstate="print">
             <a:extLst>
               <a:ext uri="{28A0092B-C50C-407E-A947-70E740481C1C}">
                 <a14:useLocalDpi xmlns:a14="http://schemas.microsoft.com/office/drawing/2010/main" val="0"/>
@@ -21412,7 +21747,7 @@
         </p:blipFill>
         <p:spPr>
           <a:xfrm>
-            <a:off x="9305513" y="4369955"/>
+            <a:off x="7934721" y="4369955"/>
             <a:ext cx="1699767" cy="1388608"/>
           </a:xfrm>
           <a:prstGeom prst="rect">
@@ -21438,8 +21773,8 @@
         </p:nvCxnSpPr>
         <p:spPr>
           <a:xfrm>
-            <a:off x="5606285" y="6306543"/>
-            <a:ext cx="4470609" cy="0"/>
+            <a:off x="5190893" y="6306543"/>
+            <a:ext cx="3515209" cy="0"/>
           </a:xfrm>
           <a:prstGeom prst="line">
             <a:avLst/>
@@ -21479,7 +21814,7 @@
         </p:nvSpPr>
         <p:spPr>
           <a:xfrm>
-            <a:off x="10076895" y="6231193"/>
+            <a:off x="8706103" y="6231193"/>
             <a:ext cx="157003" cy="150700"/>
           </a:xfrm>
           <a:prstGeom prst="ellipse">
@@ -21546,7 +21881,7 @@
         </p:nvCxnSpPr>
         <p:spPr>
           <a:xfrm flipV="1">
-            <a:off x="10155396" y="5758563"/>
+            <a:off x="8784604" y="5758563"/>
             <a:ext cx="0" cy="472630"/>
           </a:xfrm>
           <a:prstGeom prst="line">
@@ -21588,7 +21923,7 @@
           <p:nvPr/>
         </p:nvPicPr>
         <p:blipFill>
-          <a:blip r:embed="rId7" cstate="print">
+          <a:blip r:embed="rId4" cstate="print">
             <a:extLst>
               <a:ext uri="{28A0092B-C50C-407E-A947-70E740481C1C}">
                 <a14:useLocalDpi xmlns:a14="http://schemas.microsoft.com/office/drawing/2010/main" val="0"/>
@@ -21602,7 +21937,7 @@
         </p:blipFill>
         <p:spPr bwMode="auto">
           <a:xfrm>
-            <a:off x="10827491" y="2496569"/>
+            <a:off x="9456699" y="2496569"/>
             <a:ext cx="1594461" cy="1600714"/>
           </a:xfrm>
           <a:prstGeom prst="rect">
@@ -21637,7 +21972,7 @@
         </p:nvCxnSpPr>
         <p:spPr>
           <a:xfrm rot="5400000">
-            <a:off x="10831514" y="4271050"/>
+            <a:off x="9460721" y="4271050"/>
             <a:ext cx="966977" cy="619442"/>
           </a:xfrm>
           <a:prstGeom prst="curvedConnector2">
@@ -21684,15 +22019,17 @@
         </p:nvCxnSpPr>
         <p:spPr>
           <a:xfrm rot="16200000" flipV="1">
-            <a:off x="9230379" y="102226"/>
-            <a:ext cx="1257720" cy="3530966"/>
+            <a:off x="8337287" y="579926"/>
+            <a:ext cx="1257720" cy="2575566"/>
           </a:xfrm>
           <a:prstGeom prst="curvedConnector2">
             <a:avLst/>
           </a:prstGeom>
           <a:ln>
             <a:solidFill>
-              <a:schemeClr val="accent1"/>
+              <a:srgbClr val="F05A28">
+                <a:alpha val="67059"/>
+              </a:srgbClr>
             </a:solidFill>
             <a:prstDash val="sysDot"/>
             <a:headEnd type="none"/>
@@ -21733,17 +22070,19 @@
         </p:nvCxnSpPr>
         <p:spPr>
           <a:xfrm rot="16200000" flipH="1" flipV="1">
-            <a:off x="8475456" y="1355686"/>
-            <a:ext cx="2008383" cy="4290148"/>
+            <a:off x="7582364" y="1833386"/>
+            <a:ext cx="2008383" cy="3334748"/>
           </a:xfrm>
           <a:prstGeom prst="curvedConnector3">
             <a:avLst>
-              <a:gd name="adj1" fmla="val -11382"/>
+              <a:gd name="adj1" fmla="val -19207"/>
             </a:avLst>
           </a:prstGeom>
           <a:ln>
             <a:solidFill>
-              <a:schemeClr val="accent1"/>
+              <a:srgbClr val="F05A28">
+                <a:alpha val="67059"/>
+              </a:srgbClr>
             </a:solidFill>
             <a:prstDash val="sysDot"/>
             <a:headEnd type="none"/>
@@ -21778,24 +22117,25 @@
           <p:cNvCxnSpPr>
             <a:cxnSpLocks/>
             <a:stCxn id="4098" idx="0"/>
-            <a:endCxn id="24" idx="3"/>
           </p:cNvCxnSpPr>
           <p:nvPr/>
         </p:nvCxnSpPr>
         <p:spPr>
           <a:xfrm rot="16200000" flipH="1" flipV="1">
-            <a:off x="7679045" y="-122122"/>
-            <a:ext cx="1326987" cy="6564367"/>
+            <a:off x="6785953" y="355579"/>
+            <a:ext cx="1326987" cy="5608966"/>
           </a:xfrm>
           <a:prstGeom prst="curvedConnector4">
             <a:avLst>
-              <a:gd name="adj1" fmla="val -17227"/>
-              <a:gd name="adj2" fmla="val 56072"/>
+              <a:gd name="adj1" fmla="val -45759"/>
+              <a:gd name="adj2" fmla="val 57107"/>
             </a:avLst>
           </a:prstGeom>
           <a:ln>
             <a:solidFill>
-              <a:schemeClr val="accent1"/>
+              <a:srgbClr val="F05A28">
+                <a:alpha val="67059"/>
+              </a:srgbClr>
             </a:solidFill>
             <a:prstDash val="sysDot"/>
             <a:headEnd type="none"/>
@@ -21832,7 +22172,7 @@
         </p:nvSpPr>
         <p:spPr>
           <a:xfrm>
-            <a:off x="7632805" y="6186662"/>
+            <a:off x="6784715" y="6172429"/>
             <a:ext cx="270000" cy="265434"/>
           </a:xfrm>
           <a:prstGeom prst="rect">
@@ -21890,28 +22230,674 @@
           <p:cNvCxnSpPr>
             <a:cxnSpLocks/>
             <a:stCxn id="4098" idx="0"/>
-            <a:endCxn id="23" idx="3"/>
           </p:cNvCxnSpPr>
           <p:nvPr/>
         </p:nvCxnSpPr>
         <p:spPr>
           <a:xfrm rot="16200000" flipH="1" flipV="1">
-            <a:off x="6021858" y="1535066"/>
-            <a:ext cx="4641362" cy="6564367"/>
+            <a:off x="5128766" y="2012767"/>
+            <a:ext cx="4641362" cy="5608966"/>
           </a:xfrm>
           <a:prstGeom prst="curvedConnector4">
             <a:avLst>
               <a:gd name="adj1" fmla="val -4925"/>
-              <a:gd name="adj2" fmla="val 56072"/>
+              <a:gd name="adj2" fmla="val 44371"/>
             </a:avLst>
+          </a:prstGeom>
+          <a:ln>
+            <a:solidFill>
+              <a:srgbClr val="F05A28">
+                <a:alpha val="67059"/>
+              </a:srgbClr>
+            </a:solidFill>
+            <a:prstDash val="sysDot"/>
+            <a:headEnd type="none"/>
+            <a:tailEnd type="triangle"/>
+          </a:ln>
+          <a:effectLst/>
+        </p:spPr>
+        <p:style>
+          <a:lnRef idx="2">
+            <a:schemeClr val="accent1"/>
+          </a:lnRef>
+          <a:fillRef idx="0">
+            <a:schemeClr val="accent1"/>
+          </a:fillRef>
+          <a:effectRef idx="1">
+            <a:schemeClr val="accent1"/>
+          </a:effectRef>
+          <a:fontRef idx="minor">
+            <a:schemeClr val="tx1"/>
+          </a:fontRef>
+        </p:style>
+      </p:cxnSp>
+      <p:sp>
+        <p:nvSpPr>
+          <p:cNvPr id="43" name="TextBox 42">
+            <a:extLst>
+              <a:ext uri="{FF2B5EF4-FFF2-40B4-BE49-F238E27FC236}">
+                <a16:creationId xmlns:a16="http://schemas.microsoft.com/office/drawing/2014/main" id="{4E31233E-70BF-4456-A433-DBDC83C447A5}"/>
+              </a:ext>
+            </a:extLst>
+          </p:cNvPr>
+          <p:cNvSpPr txBox="1"/>
+          <p:nvPr/>
+        </p:nvSpPr>
+        <p:spPr>
+          <a:xfrm>
+            <a:off x="2820472" y="3567356"/>
+            <a:ext cx="1518364" cy="455830"/>
+          </a:xfrm>
+          <a:prstGeom prst="rect">
+            <a:avLst/>
+          </a:prstGeom>
+          <a:noFill/>
+        </p:spPr>
+        <p:txBody>
+          <a:bodyPr wrap="none" rtlCol="0">
+            <a:spAutoFit/>
+          </a:bodyPr>
+          <a:lstStyle/>
+          <a:p>
+            <a:pPr defTabSz="1079998"/>
+            <a:r>
+              <a:rPr lang="en-GB" sz="2362" dirty="0">
+                <a:solidFill>
+                  <a:srgbClr val="404040"/>
+                </a:solidFill>
+                <a:latin typeface="Consolas" panose="020B0609020204030204" pitchFamily="49" charset="0"/>
+              </a:rPr>
+              <a:t>/metrics</a:t>
+            </a:r>
+            <a:endParaRPr lang="en-US" sz="2362" dirty="0" err="1">
+              <a:solidFill>
+                <a:srgbClr val="404040"/>
+              </a:solidFill>
+              <a:latin typeface="Consolas" panose="020B0609020204030204" pitchFamily="49" charset="0"/>
+            </a:endParaRPr>
+          </a:p>
+        </p:txBody>
+      </p:sp>
+      <p:pic>
+        <p:nvPicPr>
+          <p:cNvPr id="44" name="Picture 43">
+            <a:extLst>
+              <a:ext uri="{FF2B5EF4-FFF2-40B4-BE49-F238E27FC236}">
+                <a16:creationId xmlns:a16="http://schemas.microsoft.com/office/drawing/2014/main" id="{83674A1B-6978-42A0-8B42-7E5AAA9DD7A4}"/>
+              </a:ext>
+            </a:extLst>
+          </p:cNvPr>
+          <p:cNvPicPr>
+            <a:picLocks noChangeAspect="1"/>
+          </p:cNvPicPr>
+          <p:nvPr/>
+        </p:nvPicPr>
+        <p:blipFill>
+          <a:blip r:embed="rId5" cstate="print">
+            <a:extLst>
+              <a:ext uri="{28A0092B-C50C-407E-A947-70E740481C1C}">
+                <a14:useLocalDpi xmlns:a14="http://schemas.microsoft.com/office/drawing/2010/main" val="0"/>
+              </a:ext>
+            </a:extLst>
+          </a:blip>
+          <a:stretch>
+            <a:fillRect/>
+          </a:stretch>
+        </p:blipFill>
+        <p:spPr>
+          <a:xfrm>
+            <a:off x="600316" y="1313072"/>
+            <a:ext cx="2288370" cy="2288370"/>
+          </a:xfrm>
+          <a:prstGeom prst="rect">
+            <a:avLst/>
+          </a:prstGeom>
+        </p:spPr>
+      </p:pic>
+      <p:pic>
+        <p:nvPicPr>
+          <p:cNvPr id="49" name="Picture 48">
+            <a:extLst>
+              <a:ext uri="{FF2B5EF4-FFF2-40B4-BE49-F238E27FC236}">
+                <a16:creationId xmlns:a16="http://schemas.microsoft.com/office/drawing/2014/main" id="{3EC2A3D0-D067-4A7E-8C4B-7DA2F1E522FF}"/>
+              </a:ext>
+            </a:extLst>
+          </p:cNvPr>
+          <p:cNvPicPr>
+            <a:picLocks noChangeAspect="1"/>
+          </p:cNvPicPr>
+          <p:nvPr/>
+        </p:nvPicPr>
+        <p:blipFill>
+          <a:blip r:embed="rId6" cstate="print">
+            <a:extLst>
+              <a:ext uri="{28A0092B-C50C-407E-A947-70E740481C1C}">
+                <a14:useLocalDpi xmlns:a14="http://schemas.microsoft.com/office/drawing/2010/main" val="0"/>
+              </a:ext>
+            </a:extLst>
+          </a:blip>
+          <a:stretch>
+            <a:fillRect/>
+          </a:stretch>
+        </p:blipFill>
+        <p:spPr>
+          <a:xfrm>
+            <a:off x="3074512" y="2444194"/>
+            <a:ext cx="1264324" cy="881075"/>
+          </a:xfrm>
+          <a:prstGeom prst="rect">
+            <a:avLst/>
+          </a:prstGeom>
+        </p:spPr>
+      </p:pic>
+      <p:cxnSp>
+        <p:nvCxnSpPr>
+          <p:cNvPr id="50" name="Straight Connector 49">
+            <a:extLst>
+              <a:ext uri="{FF2B5EF4-FFF2-40B4-BE49-F238E27FC236}">
+                <a16:creationId xmlns:a16="http://schemas.microsoft.com/office/drawing/2014/main" id="{69D55474-DCE0-4D52-BD9B-70891D37EDA1}"/>
+              </a:ext>
+            </a:extLst>
+          </p:cNvPr>
+          <p:cNvCxnSpPr>
+            <a:cxnSpLocks/>
+          </p:cNvCxnSpPr>
+          <p:nvPr/>
+        </p:nvCxnSpPr>
+        <p:spPr>
+          <a:xfrm flipH="1">
+            <a:off x="2723666" y="2884731"/>
+            <a:ext cx="265097" cy="1"/>
+          </a:xfrm>
+          <a:prstGeom prst="line">
+            <a:avLst/>
+          </a:prstGeom>
+          <a:ln>
+            <a:solidFill>
+              <a:srgbClr val="099CEC"/>
+            </a:solidFill>
+            <a:headEnd type="none"/>
+            <a:tailEnd type="none"/>
+          </a:ln>
+          <a:effectLst/>
+        </p:spPr>
+        <p:style>
+          <a:lnRef idx="2">
+            <a:schemeClr val="accent1"/>
+          </a:lnRef>
+          <a:fillRef idx="0">
+            <a:schemeClr val="accent1"/>
+          </a:fillRef>
+          <a:effectRef idx="1">
+            <a:schemeClr val="accent1"/>
+          </a:effectRef>
+          <a:fontRef idx="minor">
+            <a:schemeClr val="tx1"/>
+          </a:fontRef>
+        </p:style>
+      </p:cxnSp>
+      <p:sp>
+        <p:nvSpPr>
+          <p:cNvPr id="51" name="Oval 50">
+            <a:extLst>
+              <a:ext uri="{FF2B5EF4-FFF2-40B4-BE49-F238E27FC236}">
+                <a16:creationId xmlns:a16="http://schemas.microsoft.com/office/drawing/2014/main" id="{949E2542-1DF1-41BA-9419-CBA4195E4AEE}"/>
+              </a:ext>
+            </a:extLst>
+          </p:cNvPr>
+          <p:cNvSpPr/>
+          <p:nvPr/>
+        </p:nvSpPr>
+        <p:spPr>
+          <a:xfrm>
+            <a:off x="2631231" y="5402661"/>
+            <a:ext cx="1374501" cy="1364141"/>
+          </a:xfrm>
+          <a:prstGeom prst="ellipse">
+            <a:avLst/>
+          </a:prstGeom>
+          <a:solidFill>
+            <a:schemeClr val="bg1"/>
+          </a:solidFill>
+          <a:ln>
+            <a:noFill/>
+          </a:ln>
+          <a:effectLst/>
+        </p:spPr>
+        <p:style>
+          <a:lnRef idx="2">
+            <a:schemeClr val="accent1"/>
+          </a:lnRef>
+          <a:fillRef idx="0">
+            <a:schemeClr val="accent1"/>
+          </a:fillRef>
+          <a:effectRef idx="1">
+            <a:schemeClr val="accent1"/>
+          </a:effectRef>
+          <a:fontRef idx="minor">
+            <a:schemeClr val="tx1"/>
+          </a:fontRef>
+        </p:style>
+        <p:txBody>
+          <a:bodyPr lIns="216003" tIns="216003" rIns="216003" bIns="216003" rtlCol="0" anchor="ctr"/>
+          <a:lstStyle/>
+          <a:p>
+            <a:pPr algn="ctr" defTabSz="1079998">
+              <a:spcBef>
+                <a:spcPts val="709"/>
+              </a:spcBef>
+            </a:pPr>
+            <a:endParaRPr lang="en-US" sz="2362" dirty="0">
+              <a:solidFill>
+                <a:srgbClr val="FFFFFF"/>
+              </a:solidFill>
+              <a:latin typeface="Gotham Medium"/>
+            </a:endParaRPr>
+          </a:p>
+        </p:txBody>
+      </p:sp>
+      <p:sp>
+        <p:nvSpPr>
+          <p:cNvPr id="52" name="Oval 51">
+            <a:extLst>
+              <a:ext uri="{FF2B5EF4-FFF2-40B4-BE49-F238E27FC236}">
+                <a16:creationId xmlns:a16="http://schemas.microsoft.com/office/drawing/2014/main" id="{755E1EC1-CC14-415C-974F-85FBC2821367}"/>
+              </a:ext>
+            </a:extLst>
+          </p:cNvPr>
+          <p:cNvSpPr/>
+          <p:nvPr/>
+        </p:nvSpPr>
+        <p:spPr>
+          <a:xfrm>
+            <a:off x="1909712" y="5374376"/>
+            <a:ext cx="1374501" cy="1364141"/>
+          </a:xfrm>
+          <a:prstGeom prst="ellipse">
+            <a:avLst/>
+          </a:prstGeom>
+          <a:solidFill>
+            <a:schemeClr val="bg1"/>
+          </a:solidFill>
+          <a:ln>
+            <a:noFill/>
+          </a:ln>
+          <a:effectLst/>
+        </p:spPr>
+        <p:style>
+          <a:lnRef idx="2">
+            <a:schemeClr val="accent1"/>
+          </a:lnRef>
+          <a:fillRef idx="0">
+            <a:schemeClr val="accent1"/>
+          </a:fillRef>
+          <a:effectRef idx="1">
+            <a:schemeClr val="accent1"/>
+          </a:effectRef>
+          <a:fontRef idx="minor">
+            <a:schemeClr val="tx1"/>
+          </a:fontRef>
+        </p:style>
+        <p:txBody>
+          <a:bodyPr lIns="216003" tIns="216003" rIns="216003" bIns="216003" rtlCol="0" anchor="ctr"/>
+          <a:lstStyle/>
+          <a:p>
+            <a:pPr algn="ctr" defTabSz="1079998">
+              <a:spcBef>
+                <a:spcPts val="709"/>
+              </a:spcBef>
+            </a:pPr>
+            <a:endParaRPr lang="en-US" sz="2362" dirty="0">
+              <a:solidFill>
+                <a:srgbClr val="FFFFFF"/>
+              </a:solidFill>
+              <a:latin typeface="Gotham Medium"/>
+            </a:endParaRPr>
+          </a:p>
+        </p:txBody>
+      </p:sp>
+      <p:sp>
+        <p:nvSpPr>
+          <p:cNvPr id="53" name="TextBox 52">
+            <a:extLst>
+              <a:ext uri="{FF2B5EF4-FFF2-40B4-BE49-F238E27FC236}">
+                <a16:creationId xmlns:a16="http://schemas.microsoft.com/office/drawing/2014/main" id="{99178B80-81CB-4034-8D33-FB349C24248D}"/>
+              </a:ext>
+            </a:extLst>
+          </p:cNvPr>
+          <p:cNvSpPr txBox="1"/>
+          <p:nvPr/>
+        </p:nvSpPr>
+        <p:spPr>
+          <a:xfrm>
+            <a:off x="2820472" y="6881731"/>
+            <a:ext cx="1518364" cy="455830"/>
+          </a:xfrm>
+          <a:prstGeom prst="rect">
+            <a:avLst/>
+          </a:prstGeom>
+          <a:noFill/>
+        </p:spPr>
+        <p:txBody>
+          <a:bodyPr wrap="none" rtlCol="0">
+            <a:spAutoFit/>
+          </a:bodyPr>
+          <a:lstStyle/>
+          <a:p>
+            <a:pPr defTabSz="1079998"/>
+            <a:r>
+              <a:rPr lang="en-GB" sz="2362" dirty="0">
+                <a:solidFill>
+                  <a:srgbClr val="404040"/>
+                </a:solidFill>
+                <a:latin typeface="Consolas" panose="020B0609020204030204" pitchFamily="49" charset="0"/>
+              </a:rPr>
+              <a:t>/metrics</a:t>
+            </a:r>
+            <a:endParaRPr lang="en-US" sz="2362" dirty="0" err="1">
+              <a:solidFill>
+                <a:srgbClr val="404040"/>
+              </a:solidFill>
+              <a:latin typeface="Consolas" panose="020B0609020204030204" pitchFamily="49" charset="0"/>
+            </a:endParaRPr>
+          </a:p>
+        </p:txBody>
+      </p:sp>
+      <p:sp>
+        <p:nvSpPr>
+          <p:cNvPr id="54" name="Oval 53">
+            <a:extLst>
+              <a:ext uri="{FF2B5EF4-FFF2-40B4-BE49-F238E27FC236}">
+                <a16:creationId xmlns:a16="http://schemas.microsoft.com/office/drawing/2014/main" id="{13488A41-CC7F-4C79-8B7D-B7FA9B782775}"/>
+              </a:ext>
+            </a:extLst>
+          </p:cNvPr>
+          <p:cNvSpPr/>
+          <p:nvPr/>
+        </p:nvSpPr>
+        <p:spPr>
+          <a:xfrm>
+            <a:off x="1909712" y="5374376"/>
+            <a:ext cx="1374501" cy="1364141"/>
+          </a:xfrm>
+          <a:prstGeom prst="ellipse">
+            <a:avLst/>
+          </a:prstGeom>
+          <a:solidFill>
+            <a:schemeClr val="bg1"/>
+          </a:solidFill>
+          <a:ln>
+            <a:noFill/>
+          </a:ln>
+          <a:effectLst/>
+        </p:spPr>
+        <p:style>
+          <a:lnRef idx="2">
+            <a:schemeClr val="accent1"/>
+          </a:lnRef>
+          <a:fillRef idx="0">
+            <a:schemeClr val="accent1"/>
+          </a:fillRef>
+          <a:effectRef idx="1">
+            <a:schemeClr val="accent1"/>
+          </a:effectRef>
+          <a:fontRef idx="minor">
+            <a:schemeClr val="tx1"/>
+          </a:fontRef>
+        </p:style>
+        <p:txBody>
+          <a:bodyPr lIns="216003" tIns="216003" rIns="216003" bIns="216003" rtlCol="0" anchor="ctr"/>
+          <a:lstStyle/>
+          <a:p>
+            <a:pPr algn="ctr" defTabSz="1079998">
+              <a:spcBef>
+                <a:spcPts val="709"/>
+              </a:spcBef>
+            </a:pPr>
+            <a:endParaRPr lang="en-US" sz="2362" dirty="0">
+              <a:solidFill>
+                <a:srgbClr val="FFFFFF"/>
+              </a:solidFill>
+              <a:latin typeface="Gotham Medium"/>
+            </a:endParaRPr>
+          </a:p>
+        </p:txBody>
+      </p:sp>
+      <p:grpSp>
+        <p:nvGrpSpPr>
+          <p:cNvPr id="55" name="Group 54">
+            <a:extLst>
+              <a:ext uri="{FF2B5EF4-FFF2-40B4-BE49-F238E27FC236}">
+                <a16:creationId xmlns:a16="http://schemas.microsoft.com/office/drawing/2014/main" id="{F32994B7-3A64-4431-BB6C-24235BE66423}"/>
+              </a:ext>
+            </a:extLst>
+          </p:cNvPr>
+          <p:cNvGrpSpPr/>
+          <p:nvPr/>
+        </p:nvGrpSpPr>
+        <p:grpSpPr>
+          <a:xfrm>
+            <a:off x="277621" y="4821276"/>
+            <a:ext cx="2464972" cy="2288370"/>
+            <a:chOff x="14515530" y="718525"/>
+            <a:chExt cx="4258030" cy="3969436"/>
+          </a:xfrm>
+        </p:grpSpPr>
+        <p:pic>
+          <p:nvPicPr>
+            <p:cNvPr id="56" name="Picture 55">
+              <a:extLst>
+                <a:ext uri="{FF2B5EF4-FFF2-40B4-BE49-F238E27FC236}">
+                  <a16:creationId xmlns:a16="http://schemas.microsoft.com/office/drawing/2014/main" id="{F95AAB47-46DC-42B0-958E-899DEBFD0555}"/>
+                </a:ext>
+              </a:extLst>
+            </p:cNvPr>
+            <p:cNvPicPr>
+              <a:picLocks noChangeAspect="1"/>
+            </p:cNvPicPr>
+            <p:nvPr/>
+          </p:nvPicPr>
+          <p:blipFill>
+            <a:blip r:embed="rId7">
+              <a:duotone>
+                <a:schemeClr val="bg2">
+                  <a:shade val="45000"/>
+                  <a:satMod val="135000"/>
+                </a:schemeClr>
+                <a:prstClr val="white"/>
+              </a:duotone>
+              <a:extLst>
+                <a:ext uri="{28A0092B-C50C-407E-A947-70E740481C1C}">
+                  <a14:useLocalDpi xmlns:a14="http://schemas.microsoft.com/office/drawing/2010/main" val="0"/>
+                </a:ext>
+              </a:extLst>
+            </a:blip>
+            <a:stretch>
+              <a:fillRect/>
+            </a:stretch>
+          </p:blipFill>
+          <p:spPr>
+            <a:xfrm>
+              <a:off x="14515530" y="718525"/>
+              <a:ext cx="3969436" cy="3969436"/>
+            </a:xfrm>
+            <a:prstGeom prst="rect">
+              <a:avLst/>
+            </a:prstGeom>
+          </p:spPr>
+        </p:pic>
+        <p:sp>
+          <p:nvSpPr>
+            <p:cNvPr id="57" name="Oval 56">
+              <a:extLst>
+                <a:ext uri="{FF2B5EF4-FFF2-40B4-BE49-F238E27FC236}">
+                  <a16:creationId xmlns:a16="http://schemas.microsoft.com/office/drawing/2014/main" id="{2CC30D60-4ED2-4A65-94E0-22C5CAC25786}"/>
+                </a:ext>
+              </a:extLst>
+            </p:cNvPr>
+            <p:cNvSpPr/>
+            <p:nvPr/>
+          </p:nvSpPr>
+          <p:spPr>
+            <a:xfrm>
+              <a:off x="16321368" y="2211447"/>
+              <a:ext cx="2452192" cy="2452192"/>
+            </a:xfrm>
+            <a:prstGeom prst="ellipse">
+              <a:avLst/>
+            </a:prstGeom>
+            <a:solidFill>
+              <a:schemeClr val="bg1"/>
+            </a:solidFill>
+            <a:ln>
+              <a:noFill/>
+            </a:ln>
+          </p:spPr>
+          <p:style>
+            <a:lnRef idx="2">
+              <a:schemeClr val="accent1">
+                <a:shade val="50000"/>
+              </a:schemeClr>
+            </a:lnRef>
+            <a:fillRef idx="1">
+              <a:schemeClr val="accent1"/>
+            </a:fillRef>
+            <a:effectRef idx="0">
+              <a:schemeClr val="accent1"/>
+            </a:effectRef>
+            <a:fontRef idx="minor">
+              <a:schemeClr val="lt1"/>
+            </a:fontRef>
+          </p:style>
+          <p:txBody>
+            <a:bodyPr rtlCol="0" anchor="ctr"/>
+            <a:lstStyle/>
+            <a:p>
+              <a:pPr algn="ctr" defTabSz="685800">
+                <a:defRPr/>
+              </a:pPr>
+              <a:endParaRPr lang="en-GB" sz="1350">
+                <a:solidFill>
+                  <a:srgbClr val="FFFFFF"/>
+                </a:solidFill>
+                <a:latin typeface="Calibri"/>
+                <a:sym typeface="Helvetica Neue"/>
+              </a:endParaRPr>
+            </a:p>
+          </p:txBody>
+        </p:sp>
+        <p:pic>
+          <p:nvPicPr>
+            <p:cNvPr id="58" name="Picture 4" descr="Image result for tux linux logo">
+              <a:extLst>
+                <a:ext uri="{FF2B5EF4-FFF2-40B4-BE49-F238E27FC236}">
+                  <a16:creationId xmlns:a16="http://schemas.microsoft.com/office/drawing/2014/main" id="{A97E4D53-C147-4EA0-87F0-64C4FB5C9873}"/>
+                </a:ext>
+              </a:extLst>
+            </p:cNvPr>
+            <p:cNvPicPr>
+              <a:picLocks noChangeAspect="1" noChangeArrowheads="1"/>
+            </p:cNvPicPr>
+            <p:nvPr/>
+          </p:nvPicPr>
+          <p:blipFill>
+            <a:blip r:embed="rId8">
+              <a:extLst>
+                <a:ext uri="{28A0092B-C50C-407E-A947-70E740481C1C}">
+                  <a14:useLocalDpi xmlns:a14="http://schemas.microsoft.com/office/drawing/2010/main" val="0"/>
+                </a:ext>
+              </a:extLst>
+            </a:blip>
+            <a:srcRect/>
+            <a:stretch>
+              <a:fillRect/>
+            </a:stretch>
+          </p:blipFill>
+          <p:spPr bwMode="auto">
+            <a:xfrm>
+              <a:off x="16658560" y="2300504"/>
+              <a:ext cx="1745113" cy="2070339"/>
+            </a:xfrm>
+            <a:prstGeom prst="rect">
+              <a:avLst/>
+            </a:prstGeom>
+            <a:noFill/>
+            <a:extLst>
+              <a:ext uri="{909E8E84-426E-40DD-AFC4-6F175D3DCCD1}">
+                <a14:hiddenFill xmlns:a14="http://schemas.microsoft.com/office/drawing/2010/main">
+                  <a:solidFill>
+                    <a:srgbClr val="FFFFFF"/>
+                  </a:solidFill>
+                </a14:hiddenFill>
+              </a:ext>
+            </a:extLst>
+          </p:spPr>
+        </p:pic>
+      </p:grpSp>
+      <p:pic>
+        <p:nvPicPr>
+          <p:cNvPr id="59" name="Picture 58">
+            <a:extLst>
+              <a:ext uri="{FF2B5EF4-FFF2-40B4-BE49-F238E27FC236}">
+                <a16:creationId xmlns:a16="http://schemas.microsoft.com/office/drawing/2014/main" id="{2DFE145B-9327-4867-B09D-9BFF4F31EB00}"/>
+              </a:ext>
+            </a:extLst>
+          </p:cNvPr>
+          <p:cNvPicPr>
+            <a:picLocks noChangeAspect="1"/>
+          </p:cNvPicPr>
+          <p:nvPr/>
+        </p:nvPicPr>
+        <p:blipFill>
+          <a:blip r:embed="rId6" cstate="print">
+            <a:extLst>
+              <a:ext uri="{28A0092B-C50C-407E-A947-70E740481C1C}">
+                <a14:useLocalDpi xmlns:a14="http://schemas.microsoft.com/office/drawing/2010/main" val="0"/>
+              </a:ext>
+            </a:extLst>
+          </a:blip>
+          <a:stretch>
+            <a:fillRect/>
+          </a:stretch>
+        </p:blipFill>
+        <p:spPr>
+          <a:xfrm>
+            <a:off x="2988763" y="5765872"/>
+            <a:ext cx="1264324" cy="881075"/>
+          </a:xfrm>
+          <a:prstGeom prst="rect">
+            <a:avLst/>
+          </a:prstGeom>
+        </p:spPr>
+      </p:pic>
+      <p:cxnSp>
+        <p:nvCxnSpPr>
+          <p:cNvPr id="60" name="Straight Connector 59">
+            <a:extLst>
+              <a:ext uri="{FF2B5EF4-FFF2-40B4-BE49-F238E27FC236}">
+                <a16:creationId xmlns:a16="http://schemas.microsoft.com/office/drawing/2014/main" id="{BEEB088B-9B52-4D58-9457-8116198D37FE}"/>
+              </a:ext>
+            </a:extLst>
+          </p:cNvPr>
+          <p:cNvCxnSpPr>
+            <a:cxnSpLocks/>
+          </p:cNvCxnSpPr>
+          <p:nvPr/>
+        </p:nvCxnSpPr>
+        <p:spPr>
+          <a:xfrm flipH="1">
+            <a:off x="2526511" y="6283698"/>
+            <a:ext cx="357667" cy="0"/>
+          </a:xfrm>
+          <a:prstGeom prst="line">
+            <a:avLst/>
           </a:prstGeom>
           <a:ln>
             <a:solidFill>
               <a:schemeClr val="accent1"/>
             </a:solidFill>
-            <a:prstDash val="sysDot"/>
             <a:headEnd type="none"/>
-            <a:tailEnd type="triangle"/>
+            <a:tailEnd type="none"/>
           </a:ln>
           <a:effectLst/>
         </p:spPr>
@@ -21933,7 +22919,7 @@
     </p:spTree>
     <p:extLst>
       <p:ext uri="{BB962C8B-B14F-4D97-AF65-F5344CB8AC3E}">
-        <p14:creationId xmlns:p14="http://schemas.microsoft.com/office/powerpoint/2010/main" val="779486403"/>
+        <p14:creationId xmlns:p14="http://schemas.microsoft.com/office/powerpoint/2010/main" val="855630365"/>
       </p:ext>
     </p:extLst>
   </p:cSld>
@@ -22259,195 +23245,6 @@
           <a:chExt cx="0" cy="0"/>
         </a:xfrm>
       </p:grpSpPr>
-      <p:grpSp>
-        <p:nvGrpSpPr>
-          <p:cNvPr id="2" name="Group 1">
-            <a:extLst>
-              <a:ext uri="{FF2B5EF4-FFF2-40B4-BE49-F238E27FC236}">
-                <a16:creationId xmlns:a16="http://schemas.microsoft.com/office/drawing/2014/main" id="{A186ACCF-0FCF-4688-927A-699865417FFA}"/>
-              </a:ext>
-            </a:extLst>
-          </p:cNvPr>
-          <p:cNvGrpSpPr/>
-          <p:nvPr/>
-        </p:nvGrpSpPr>
-        <p:grpSpPr>
-          <a:xfrm>
-            <a:off x="1229828" y="1592139"/>
-            <a:ext cx="2553435" cy="2505143"/>
-            <a:chOff x="1036373" y="3476349"/>
-            <a:chExt cx="2161876" cy="2120990"/>
-          </a:xfrm>
-        </p:grpSpPr>
-        <p:pic>
-          <p:nvPicPr>
-            <p:cNvPr id="3" name="Picture 2">
-              <a:extLst>
-                <a:ext uri="{FF2B5EF4-FFF2-40B4-BE49-F238E27FC236}">
-                  <a16:creationId xmlns:a16="http://schemas.microsoft.com/office/drawing/2014/main" id="{D1E3FF10-77CA-4EFC-8C2C-34923F5B7D8B}"/>
-                </a:ext>
-              </a:extLst>
-            </p:cNvPr>
-            <p:cNvPicPr>
-              <a:picLocks noChangeAspect="1"/>
-            </p:cNvPicPr>
-            <p:nvPr/>
-          </p:nvPicPr>
-          <p:blipFill>
-            <a:blip r:embed="rId2">
-              <a:extLst>
-                <a:ext uri="{28A0092B-C50C-407E-A947-70E740481C1C}">
-                  <a14:useLocalDpi xmlns:a14="http://schemas.microsoft.com/office/drawing/2010/main" val="0"/>
-                </a:ext>
-              </a:extLst>
-            </a:blip>
-            <a:stretch>
-              <a:fillRect/>
-            </a:stretch>
-          </p:blipFill>
-          <p:spPr>
-            <a:xfrm>
-              <a:off x="1036373" y="3476349"/>
-              <a:ext cx="2161876" cy="2120990"/>
-            </a:xfrm>
-            <a:prstGeom prst="rect">
-              <a:avLst/>
-            </a:prstGeom>
-          </p:spPr>
-        </p:pic>
-        <p:sp>
-          <p:nvSpPr>
-            <p:cNvPr id="4" name="Oval 3">
-              <a:extLst>
-                <a:ext uri="{FF2B5EF4-FFF2-40B4-BE49-F238E27FC236}">
-                  <a16:creationId xmlns:a16="http://schemas.microsoft.com/office/drawing/2014/main" id="{2C1A6691-89AC-4B21-88F8-E2BD76B4254F}"/>
-                </a:ext>
-              </a:extLst>
-            </p:cNvPr>
-            <p:cNvSpPr/>
-            <p:nvPr/>
-          </p:nvSpPr>
-          <p:spPr>
-            <a:xfrm>
-              <a:off x="1871183" y="3865829"/>
-              <a:ext cx="1163727" cy="1154956"/>
-            </a:xfrm>
-            <a:prstGeom prst="ellipse">
-              <a:avLst/>
-            </a:prstGeom>
-            <a:solidFill>
-              <a:schemeClr val="bg1"/>
-            </a:solidFill>
-            <a:ln>
-              <a:noFill/>
-            </a:ln>
-            <a:effectLst/>
-          </p:spPr>
-          <p:style>
-            <a:lnRef idx="2">
-              <a:schemeClr val="accent1"/>
-            </a:lnRef>
-            <a:fillRef idx="0">
-              <a:schemeClr val="accent1"/>
-            </a:fillRef>
-            <a:effectRef idx="1">
-              <a:schemeClr val="accent1"/>
-            </a:effectRef>
-            <a:fontRef idx="minor">
-              <a:schemeClr val="tx1"/>
-            </a:fontRef>
-          </p:style>
-          <p:txBody>
-            <a:bodyPr lIns="216003" tIns="216003" rIns="216003" bIns="216003" rtlCol="0" anchor="ctr"/>
-            <a:lstStyle/>
-            <a:p>
-              <a:pPr algn="ctr" defTabSz="1079998">
-                <a:spcBef>
-                  <a:spcPts val="709"/>
-                </a:spcBef>
-              </a:pPr>
-              <a:endParaRPr lang="en-US" sz="2362" dirty="0">
-                <a:solidFill>
-                  <a:srgbClr val="FFFFFF"/>
-                </a:solidFill>
-                <a:latin typeface="Gotham Medium"/>
-              </a:endParaRPr>
-            </a:p>
-          </p:txBody>
-        </p:sp>
-        <p:pic>
-          <p:nvPicPr>
-            <p:cNvPr id="5" name="Picture 4">
-              <a:extLst>
-                <a:ext uri="{FF2B5EF4-FFF2-40B4-BE49-F238E27FC236}">
-                  <a16:creationId xmlns:a16="http://schemas.microsoft.com/office/drawing/2014/main" id="{3A26B0AB-3139-4F58-A92E-2515169EB78C}"/>
-                </a:ext>
-              </a:extLst>
-            </p:cNvPr>
-            <p:cNvPicPr>
-              <a:picLocks noChangeAspect="1"/>
-            </p:cNvPicPr>
-            <p:nvPr/>
-          </p:nvPicPr>
-          <p:blipFill>
-            <a:blip r:embed="rId3" cstate="print">
-              <a:extLst>
-                <a:ext uri="{28A0092B-C50C-407E-A947-70E740481C1C}">
-                  <a14:useLocalDpi xmlns:a14="http://schemas.microsoft.com/office/drawing/2010/main" val="0"/>
-                </a:ext>
-              </a:extLst>
-            </a:blip>
-            <a:stretch>
-              <a:fillRect/>
-            </a:stretch>
-          </p:blipFill>
-          <p:spPr>
-            <a:xfrm>
-              <a:off x="1964465" y="4070324"/>
-              <a:ext cx="1070445" cy="745966"/>
-            </a:xfrm>
-            <a:prstGeom prst="rect">
-              <a:avLst/>
-            </a:prstGeom>
-          </p:spPr>
-        </p:pic>
-      </p:grpSp>
-      <p:pic>
-        <p:nvPicPr>
-          <p:cNvPr id="6" name="Picture 5">
-            <a:extLst>
-              <a:ext uri="{FF2B5EF4-FFF2-40B4-BE49-F238E27FC236}">
-                <a16:creationId xmlns:a16="http://schemas.microsoft.com/office/drawing/2014/main" id="{49DF837E-DD17-4E4E-B9A9-CD48330746B6}"/>
-              </a:ext>
-            </a:extLst>
-          </p:cNvPr>
-          <p:cNvPicPr>
-            <a:picLocks noChangeAspect="1"/>
-          </p:cNvPicPr>
-          <p:nvPr/>
-        </p:nvPicPr>
-        <p:blipFill>
-          <a:blip r:embed="rId4" cstate="print">
-            <a:extLst>
-              <a:ext uri="{28A0092B-C50C-407E-A947-70E740481C1C}">
-                <a14:useLocalDpi xmlns:a14="http://schemas.microsoft.com/office/drawing/2010/main" val="0"/>
-              </a:ext>
-            </a:extLst>
-          </a:blip>
-          <a:stretch>
-            <a:fillRect/>
-          </a:stretch>
-        </p:blipFill>
-        <p:spPr>
-          <a:xfrm>
-            <a:off x="1229828" y="4937045"/>
-            <a:ext cx="2553435" cy="2499234"/>
-          </a:xfrm>
-          <a:prstGeom prst="rect">
-            <a:avLst/>
-          </a:prstGeom>
-        </p:spPr>
-      </p:pic>
       <p:sp>
         <p:nvSpPr>
           <p:cNvPr id="7" name="Oval 6">
@@ -22510,10 +23307,46 @@
       </p:sp>
       <p:pic>
         <p:nvPicPr>
-          <p:cNvPr id="8" name="Picture 7">
+          <p:cNvPr id="9" name="Picture 8">
             <a:extLst>
               <a:ext uri="{FF2B5EF4-FFF2-40B4-BE49-F238E27FC236}">
-                <a16:creationId xmlns:a16="http://schemas.microsoft.com/office/drawing/2014/main" id="{A55A6A8D-C2B5-4643-B4A2-729EC2696C26}"/>
+                <a16:creationId xmlns:a16="http://schemas.microsoft.com/office/drawing/2014/main" id="{1F30711D-15A9-4248-ACCA-964E2923E2A9}"/>
+              </a:ext>
+            </a:extLst>
+          </p:cNvPr>
+          <p:cNvPicPr>
+            <a:picLocks noChangeAspect="1"/>
+          </p:cNvPicPr>
+          <p:nvPr/>
+        </p:nvPicPr>
+        <p:blipFill>
+          <a:blip r:embed="rId2" cstate="print">
+            <a:extLst>
+              <a:ext uri="{28A0092B-C50C-407E-A947-70E740481C1C}">
+                <a14:useLocalDpi xmlns:a14="http://schemas.microsoft.com/office/drawing/2010/main" val="0"/>
+              </a:ext>
+            </a:extLst>
+          </a:blip>
+          <a:stretch>
+            <a:fillRect/>
+          </a:stretch>
+        </p:blipFill>
+        <p:spPr>
+          <a:xfrm>
+            <a:off x="4296921" y="850829"/>
+            <a:ext cx="1695614" cy="1385215"/>
+          </a:xfrm>
+          <a:prstGeom prst="rect">
+            <a:avLst/>
+          </a:prstGeom>
+        </p:spPr>
+      </p:pic>
+      <p:pic>
+        <p:nvPicPr>
+          <p:cNvPr id="10" name="Picture 9">
+            <a:extLst>
+              <a:ext uri="{FF2B5EF4-FFF2-40B4-BE49-F238E27FC236}">
+                <a16:creationId xmlns:a16="http://schemas.microsoft.com/office/drawing/2014/main" id="{42A69136-6DAB-43F9-B2EA-BF9CE53F20D1}"/>
               </a:ext>
             </a:extLst>
           </p:cNvPr>
@@ -22536,78 +23369,6 @@
         </p:blipFill>
         <p:spPr>
           <a:xfrm>
-            <a:off x="2326016" y="5644194"/>
-            <a:ext cx="1264324" cy="881075"/>
-          </a:xfrm>
-          <a:prstGeom prst="rect">
-            <a:avLst/>
-          </a:prstGeom>
-        </p:spPr>
-      </p:pic>
-      <p:pic>
-        <p:nvPicPr>
-          <p:cNvPr id="9" name="Picture 8">
-            <a:extLst>
-              <a:ext uri="{FF2B5EF4-FFF2-40B4-BE49-F238E27FC236}">
-                <a16:creationId xmlns:a16="http://schemas.microsoft.com/office/drawing/2014/main" id="{1F30711D-15A9-4248-ACCA-964E2923E2A9}"/>
-              </a:ext>
-            </a:extLst>
-          </p:cNvPr>
-          <p:cNvPicPr>
-            <a:picLocks noChangeAspect="1"/>
-          </p:cNvPicPr>
-          <p:nvPr/>
-        </p:nvPicPr>
-        <p:blipFill>
-          <a:blip r:embed="rId5" cstate="print">
-            <a:extLst>
-              <a:ext uri="{28A0092B-C50C-407E-A947-70E740481C1C}">
-                <a14:useLocalDpi xmlns:a14="http://schemas.microsoft.com/office/drawing/2010/main" val="0"/>
-              </a:ext>
-            </a:extLst>
-          </a:blip>
-          <a:stretch>
-            <a:fillRect/>
-          </a:stretch>
-        </p:blipFill>
-        <p:spPr>
-          <a:xfrm>
-            <a:off x="4296921" y="850829"/>
-            <a:ext cx="1695614" cy="1385215"/>
-          </a:xfrm>
-          <a:prstGeom prst="rect">
-            <a:avLst/>
-          </a:prstGeom>
-        </p:spPr>
-      </p:pic>
-      <p:pic>
-        <p:nvPicPr>
-          <p:cNvPr id="10" name="Picture 9">
-            <a:extLst>
-              <a:ext uri="{FF2B5EF4-FFF2-40B4-BE49-F238E27FC236}">
-                <a16:creationId xmlns:a16="http://schemas.microsoft.com/office/drawing/2014/main" id="{42A69136-6DAB-43F9-B2EA-BF9CE53F20D1}"/>
-              </a:ext>
-            </a:extLst>
-          </p:cNvPr>
-          <p:cNvPicPr>
-            <a:picLocks noChangeAspect="1"/>
-          </p:cNvPicPr>
-          <p:nvPr/>
-        </p:nvPicPr>
-        <p:blipFill>
-          <a:blip r:embed="rId6" cstate="print">
-            <a:extLst>
-              <a:ext uri="{28A0092B-C50C-407E-A947-70E740481C1C}">
-                <a14:useLocalDpi xmlns:a14="http://schemas.microsoft.com/office/drawing/2010/main" val="0"/>
-              </a:ext>
-            </a:extLst>
-          </a:blip>
-          <a:stretch>
-            <a:fillRect/>
-          </a:stretch>
-        </p:blipFill>
-        <p:spPr>
-          <a:xfrm>
             <a:off x="4262509" y="4369955"/>
             <a:ext cx="1699767" cy="1388608"/>
           </a:xfrm>
@@ -22627,7 +23388,6 @@
           </p:cNvPr>
           <p:cNvCxnSpPr>
             <a:cxnSpLocks/>
-            <a:stCxn id="3" idx="3"/>
             <a:endCxn id="20" idx="2"/>
           </p:cNvCxnSpPr>
           <p:nvPr/>
@@ -23015,100 +23775,6 @@
           </a:p>
         </p:txBody>
       </p:sp>
-      <p:sp>
-        <p:nvSpPr>
-          <p:cNvPr id="23" name="TextBox 22">
-            <a:extLst>
-              <a:ext uri="{FF2B5EF4-FFF2-40B4-BE49-F238E27FC236}">
-                <a16:creationId xmlns:a16="http://schemas.microsoft.com/office/drawing/2014/main" id="{29E805CB-F4DA-4DCE-8BFD-F1B4510CAE9C}"/>
-              </a:ext>
-            </a:extLst>
-          </p:cNvPr>
-          <p:cNvSpPr txBox="1"/>
-          <p:nvPr/>
-        </p:nvSpPr>
-        <p:spPr>
-          <a:xfrm>
-            <a:off x="3126600" y="6910016"/>
-            <a:ext cx="1518364" cy="455830"/>
-          </a:xfrm>
-          <a:prstGeom prst="rect">
-            <a:avLst/>
-          </a:prstGeom>
-          <a:noFill/>
-        </p:spPr>
-        <p:txBody>
-          <a:bodyPr wrap="none" rtlCol="0">
-            <a:spAutoFit/>
-          </a:bodyPr>
-          <a:lstStyle/>
-          <a:p>
-            <a:pPr defTabSz="1079998"/>
-            <a:r>
-              <a:rPr lang="en-GB" sz="2362" dirty="0">
-                <a:solidFill>
-                  <a:srgbClr val="404040"/>
-                </a:solidFill>
-                <a:latin typeface="Consolas" panose="020B0609020204030204" pitchFamily="49" charset="0"/>
-              </a:rPr>
-              <a:t>/metrics</a:t>
-            </a:r>
-            <a:endParaRPr lang="en-US" sz="2362" dirty="0" err="1">
-              <a:solidFill>
-                <a:srgbClr val="404040"/>
-              </a:solidFill>
-              <a:latin typeface="Consolas" panose="020B0609020204030204" pitchFamily="49" charset="0"/>
-            </a:endParaRPr>
-          </a:p>
-        </p:txBody>
-      </p:sp>
-      <p:sp>
-        <p:nvSpPr>
-          <p:cNvPr id="24" name="TextBox 23">
-            <a:extLst>
-              <a:ext uri="{FF2B5EF4-FFF2-40B4-BE49-F238E27FC236}">
-                <a16:creationId xmlns:a16="http://schemas.microsoft.com/office/drawing/2014/main" id="{902877C1-D816-4A66-8836-7E0B4E529764}"/>
-              </a:ext>
-            </a:extLst>
-          </p:cNvPr>
-          <p:cNvSpPr txBox="1"/>
-          <p:nvPr/>
-        </p:nvSpPr>
-        <p:spPr>
-          <a:xfrm>
-            <a:off x="3126600" y="3595641"/>
-            <a:ext cx="1518364" cy="455830"/>
-          </a:xfrm>
-          <a:prstGeom prst="rect">
-            <a:avLst/>
-          </a:prstGeom>
-          <a:noFill/>
-        </p:spPr>
-        <p:txBody>
-          <a:bodyPr wrap="none" rtlCol="0">
-            <a:spAutoFit/>
-          </a:bodyPr>
-          <a:lstStyle/>
-          <a:p>
-            <a:pPr defTabSz="1079998"/>
-            <a:r>
-              <a:rPr lang="en-GB" sz="2362" dirty="0">
-                <a:solidFill>
-                  <a:srgbClr val="404040"/>
-                </a:solidFill>
-                <a:latin typeface="Consolas" panose="020B0609020204030204" pitchFamily="49" charset="0"/>
-              </a:rPr>
-              <a:t>/metrics</a:t>
-            </a:r>
-            <a:endParaRPr lang="en-US" sz="2362" dirty="0" err="1">
-              <a:solidFill>
-                <a:srgbClr val="404040"/>
-              </a:solidFill>
-              <a:latin typeface="Consolas" panose="020B0609020204030204" pitchFamily="49" charset="0"/>
-            </a:endParaRPr>
-          </a:p>
-        </p:txBody>
-      </p:sp>
       <p:pic>
         <p:nvPicPr>
           <p:cNvPr id="25" name="Picture 24">
@@ -23124,7 +23790,7 @@
           <p:nvPr/>
         </p:nvPicPr>
         <p:blipFill>
-          <a:blip r:embed="rId6" cstate="print">
+          <a:blip r:embed="rId3" cstate="print">
             <a:extLst>
               <a:ext uri="{28A0092B-C50C-407E-A947-70E740481C1C}">
                 <a14:useLocalDpi xmlns:a14="http://schemas.microsoft.com/office/drawing/2010/main" val="0"/>
@@ -23313,7 +23979,7 @@
           <p:nvPr/>
         </p:nvPicPr>
         <p:blipFill>
-          <a:blip r:embed="rId7" cstate="print">
+          <a:blip r:embed="rId4" cstate="print">
             <a:extLst>
               <a:ext uri="{28A0092B-C50C-407E-A947-70E740481C1C}">
                 <a14:useLocalDpi xmlns:a14="http://schemas.microsoft.com/office/drawing/2010/main" val="0"/>
@@ -23465,7 +24131,7 @@
           </a:xfrm>
           <a:prstGeom prst="curvedConnector3">
             <a:avLst>
-              <a:gd name="adj1" fmla="val -11382"/>
+              <a:gd name="adj1" fmla="val -19207"/>
             </a:avLst>
           </a:prstGeom>
           <a:ln>
@@ -23507,7 +24173,6 @@
           <p:cNvCxnSpPr>
             <a:cxnSpLocks/>
             <a:stCxn id="4098" idx="0"/>
-            <a:endCxn id="24" idx="3"/>
           </p:cNvCxnSpPr>
           <p:nvPr/>
         </p:nvCxnSpPr>
@@ -23518,7 +24183,7 @@
           </a:xfrm>
           <a:prstGeom prst="curvedConnector4">
             <a:avLst>
-              <a:gd name="adj1" fmla="val -17227"/>
+              <a:gd name="adj1" fmla="val -45759"/>
               <a:gd name="adj2" fmla="val 57107"/>
             </a:avLst>
           </a:prstGeom>
@@ -23621,7 +24286,6 @@
           <p:cNvCxnSpPr>
             <a:cxnSpLocks/>
             <a:stCxn id="4098" idx="0"/>
-            <a:endCxn id="23" idx="3"/>
           </p:cNvCxnSpPr>
           <p:nvPr/>
         </p:nvCxnSpPr>
@@ -23633,7 +24297,7 @@
           <a:prstGeom prst="curvedConnector4">
             <a:avLst>
               <a:gd name="adj1" fmla="val -4925"/>
-              <a:gd name="adj2" fmla="val 57107"/>
+              <a:gd name="adj2" fmla="val 44371"/>
             </a:avLst>
           </a:prstGeom>
           <a:ln>
@@ -23678,7 +24342,7 @@
           <p:nvPr/>
         </p:nvPicPr>
         <p:blipFill>
-          <a:blip r:embed="rId6" cstate="print">
+          <a:blip r:embed="rId3" cstate="print">
             <a:extLst>
               <a:ext uri="{28A0092B-C50C-407E-A947-70E740481C1C}">
                 <a14:useLocalDpi xmlns:a14="http://schemas.microsoft.com/office/drawing/2010/main" val="0"/>
@@ -23691,7 +24355,7 @@
         </p:blipFill>
         <p:spPr>
           <a:xfrm>
-            <a:off x="10835877" y="4388097"/>
+            <a:off x="11171637" y="4388097"/>
             <a:ext cx="1699767" cy="1388608"/>
           </a:xfrm>
           <a:prstGeom prst="rect">
@@ -23718,7 +24382,7 @@
         <p:spPr>
           <a:xfrm>
             <a:off x="8863106" y="6306543"/>
-            <a:ext cx="2744153" cy="18142"/>
+            <a:ext cx="3079913" cy="18142"/>
           </a:xfrm>
           <a:prstGeom prst="line">
             <a:avLst/>
@@ -23758,7 +24422,7 @@
         </p:nvSpPr>
         <p:spPr>
           <a:xfrm>
-            <a:off x="11607259" y="6249335"/>
+            <a:off x="11943019" y="6249335"/>
             <a:ext cx="157003" cy="150700"/>
           </a:xfrm>
           <a:prstGeom prst="ellipse">
@@ -23825,7 +24489,7 @@
         </p:nvCxnSpPr>
         <p:spPr>
           <a:xfrm flipV="1">
-            <a:off x="11685760" y="5776705"/>
+            <a:off x="12021520" y="5776705"/>
             <a:ext cx="0" cy="472630"/>
           </a:xfrm>
           <a:prstGeom prst="line">
@@ -23867,7 +24531,7 @@
           <p:nvPr/>
         </p:nvPicPr>
         <p:blipFill>
-          <a:blip r:embed="rId8" cstate="print">
+          <a:blip r:embed="rId5" cstate="print">
             <a:extLst>
               <a:ext uri="{28A0092B-C50C-407E-A947-70E740481C1C}">
                 <a14:useLocalDpi xmlns:a14="http://schemas.microsoft.com/office/drawing/2010/main" val="0"/>
@@ -23881,7 +24545,7 @@
         </p:blipFill>
         <p:spPr bwMode="auto">
           <a:xfrm>
-            <a:off x="11954579" y="2403458"/>
+            <a:off x="12290339" y="2403458"/>
             <a:ext cx="1795557" cy="1723734"/>
           </a:xfrm>
           <a:prstGeom prst="rect">
@@ -23917,7 +24581,7 @@
         </p:nvCxnSpPr>
         <p:spPr>
           <a:xfrm rot="5400000">
-            <a:off x="12216396" y="4446441"/>
+            <a:off x="12552156" y="4446441"/>
             <a:ext cx="955209" cy="316714"/>
           </a:xfrm>
           <a:prstGeom prst="curvedConnector2">
@@ -23965,13 +24629,13 @@
         </p:nvCxnSpPr>
         <p:spPr>
           <a:xfrm rot="16200000" flipH="1" flipV="1">
-            <a:off x="11505024" y="1949592"/>
-            <a:ext cx="893469" cy="1801198"/>
+            <a:off x="11672905" y="1781713"/>
+            <a:ext cx="893468" cy="2136958"/>
           </a:xfrm>
           <a:prstGeom prst="curvedConnector4">
             <a:avLst>
-              <a:gd name="adj1" fmla="val -30220"/>
-              <a:gd name="adj2" fmla="val 74922"/>
+              <a:gd name="adj1" fmla="val -25586"/>
+              <a:gd name="adj2" fmla="val 71006"/>
             </a:avLst>
           </a:prstGeom>
           <a:ln>
@@ -23981,6 +24645,651 @@
             <a:prstDash val="sysDot"/>
             <a:headEnd type="none"/>
             <a:tailEnd type="triangle"/>
+          </a:ln>
+          <a:effectLst/>
+        </p:spPr>
+        <p:style>
+          <a:lnRef idx="2">
+            <a:schemeClr val="accent1"/>
+          </a:lnRef>
+          <a:fillRef idx="0">
+            <a:schemeClr val="accent1"/>
+          </a:fillRef>
+          <a:effectRef idx="1">
+            <a:schemeClr val="accent1"/>
+          </a:effectRef>
+          <a:fontRef idx="minor">
+            <a:schemeClr val="tx1"/>
+          </a:fontRef>
+        </p:style>
+      </p:cxnSp>
+      <p:sp>
+        <p:nvSpPr>
+          <p:cNvPr id="43" name="TextBox 42">
+            <a:extLst>
+              <a:ext uri="{FF2B5EF4-FFF2-40B4-BE49-F238E27FC236}">
+                <a16:creationId xmlns:a16="http://schemas.microsoft.com/office/drawing/2014/main" id="{4E31233E-70BF-4456-A433-DBDC83C447A5}"/>
+              </a:ext>
+            </a:extLst>
+          </p:cNvPr>
+          <p:cNvSpPr txBox="1"/>
+          <p:nvPr/>
+        </p:nvSpPr>
+        <p:spPr>
+          <a:xfrm>
+            <a:off x="2820472" y="3567356"/>
+            <a:ext cx="1518364" cy="455830"/>
+          </a:xfrm>
+          <a:prstGeom prst="rect">
+            <a:avLst/>
+          </a:prstGeom>
+          <a:noFill/>
+        </p:spPr>
+        <p:txBody>
+          <a:bodyPr wrap="none" rtlCol="0">
+            <a:spAutoFit/>
+          </a:bodyPr>
+          <a:lstStyle/>
+          <a:p>
+            <a:pPr defTabSz="1079998"/>
+            <a:r>
+              <a:rPr lang="en-GB" sz="2362" dirty="0">
+                <a:solidFill>
+                  <a:srgbClr val="404040"/>
+                </a:solidFill>
+                <a:latin typeface="Consolas" panose="020B0609020204030204" pitchFamily="49" charset="0"/>
+              </a:rPr>
+              <a:t>/metrics</a:t>
+            </a:r>
+            <a:endParaRPr lang="en-US" sz="2362" dirty="0" err="1">
+              <a:solidFill>
+                <a:srgbClr val="404040"/>
+              </a:solidFill>
+              <a:latin typeface="Consolas" panose="020B0609020204030204" pitchFamily="49" charset="0"/>
+            </a:endParaRPr>
+          </a:p>
+        </p:txBody>
+      </p:sp>
+      <p:pic>
+        <p:nvPicPr>
+          <p:cNvPr id="44" name="Picture 43">
+            <a:extLst>
+              <a:ext uri="{FF2B5EF4-FFF2-40B4-BE49-F238E27FC236}">
+                <a16:creationId xmlns:a16="http://schemas.microsoft.com/office/drawing/2014/main" id="{83674A1B-6978-42A0-8B42-7E5AAA9DD7A4}"/>
+              </a:ext>
+            </a:extLst>
+          </p:cNvPr>
+          <p:cNvPicPr>
+            <a:picLocks noChangeAspect="1"/>
+          </p:cNvPicPr>
+          <p:nvPr/>
+        </p:nvPicPr>
+        <p:blipFill>
+          <a:blip r:embed="rId6" cstate="print">
+            <a:extLst>
+              <a:ext uri="{28A0092B-C50C-407E-A947-70E740481C1C}">
+                <a14:useLocalDpi xmlns:a14="http://schemas.microsoft.com/office/drawing/2010/main" val="0"/>
+              </a:ext>
+            </a:extLst>
+          </a:blip>
+          <a:stretch>
+            <a:fillRect/>
+          </a:stretch>
+        </p:blipFill>
+        <p:spPr>
+          <a:xfrm>
+            <a:off x="600316" y="1313072"/>
+            <a:ext cx="2288370" cy="2288370"/>
+          </a:xfrm>
+          <a:prstGeom prst="rect">
+            <a:avLst/>
+          </a:prstGeom>
+        </p:spPr>
+      </p:pic>
+      <p:pic>
+        <p:nvPicPr>
+          <p:cNvPr id="49" name="Picture 48">
+            <a:extLst>
+              <a:ext uri="{FF2B5EF4-FFF2-40B4-BE49-F238E27FC236}">
+                <a16:creationId xmlns:a16="http://schemas.microsoft.com/office/drawing/2014/main" id="{3EC2A3D0-D067-4A7E-8C4B-7DA2F1E522FF}"/>
+              </a:ext>
+            </a:extLst>
+          </p:cNvPr>
+          <p:cNvPicPr>
+            <a:picLocks noChangeAspect="1"/>
+          </p:cNvPicPr>
+          <p:nvPr/>
+        </p:nvPicPr>
+        <p:blipFill>
+          <a:blip r:embed="rId7" cstate="print">
+            <a:extLst>
+              <a:ext uri="{28A0092B-C50C-407E-A947-70E740481C1C}">
+                <a14:useLocalDpi xmlns:a14="http://schemas.microsoft.com/office/drawing/2010/main" val="0"/>
+              </a:ext>
+            </a:extLst>
+          </a:blip>
+          <a:stretch>
+            <a:fillRect/>
+          </a:stretch>
+        </p:blipFill>
+        <p:spPr>
+          <a:xfrm>
+            <a:off x="3074512" y="2444194"/>
+            <a:ext cx="1264324" cy="881075"/>
+          </a:xfrm>
+          <a:prstGeom prst="rect">
+            <a:avLst/>
+          </a:prstGeom>
+        </p:spPr>
+      </p:pic>
+      <p:cxnSp>
+        <p:nvCxnSpPr>
+          <p:cNvPr id="50" name="Straight Connector 49">
+            <a:extLst>
+              <a:ext uri="{FF2B5EF4-FFF2-40B4-BE49-F238E27FC236}">
+                <a16:creationId xmlns:a16="http://schemas.microsoft.com/office/drawing/2014/main" id="{69D55474-DCE0-4D52-BD9B-70891D37EDA1}"/>
+              </a:ext>
+            </a:extLst>
+          </p:cNvPr>
+          <p:cNvCxnSpPr>
+            <a:cxnSpLocks/>
+          </p:cNvCxnSpPr>
+          <p:nvPr/>
+        </p:nvCxnSpPr>
+        <p:spPr>
+          <a:xfrm flipH="1">
+            <a:off x="2723666" y="2884731"/>
+            <a:ext cx="265097" cy="1"/>
+          </a:xfrm>
+          <a:prstGeom prst="line">
+            <a:avLst/>
+          </a:prstGeom>
+          <a:ln>
+            <a:solidFill>
+              <a:srgbClr val="099CEC"/>
+            </a:solidFill>
+            <a:headEnd type="none"/>
+            <a:tailEnd type="none"/>
+          </a:ln>
+          <a:effectLst/>
+        </p:spPr>
+        <p:style>
+          <a:lnRef idx="2">
+            <a:schemeClr val="accent1"/>
+          </a:lnRef>
+          <a:fillRef idx="0">
+            <a:schemeClr val="accent1"/>
+          </a:fillRef>
+          <a:effectRef idx="1">
+            <a:schemeClr val="accent1"/>
+          </a:effectRef>
+          <a:fontRef idx="minor">
+            <a:schemeClr val="tx1"/>
+          </a:fontRef>
+        </p:style>
+      </p:cxnSp>
+      <p:sp>
+        <p:nvSpPr>
+          <p:cNvPr id="51" name="Oval 50">
+            <a:extLst>
+              <a:ext uri="{FF2B5EF4-FFF2-40B4-BE49-F238E27FC236}">
+                <a16:creationId xmlns:a16="http://schemas.microsoft.com/office/drawing/2014/main" id="{949E2542-1DF1-41BA-9419-CBA4195E4AEE}"/>
+              </a:ext>
+            </a:extLst>
+          </p:cNvPr>
+          <p:cNvSpPr/>
+          <p:nvPr/>
+        </p:nvSpPr>
+        <p:spPr>
+          <a:xfrm>
+            <a:off x="2631231" y="5402661"/>
+            <a:ext cx="1374501" cy="1364141"/>
+          </a:xfrm>
+          <a:prstGeom prst="ellipse">
+            <a:avLst/>
+          </a:prstGeom>
+          <a:solidFill>
+            <a:schemeClr val="bg1"/>
+          </a:solidFill>
+          <a:ln>
+            <a:noFill/>
+          </a:ln>
+          <a:effectLst/>
+        </p:spPr>
+        <p:style>
+          <a:lnRef idx="2">
+            <a:schemeClr val="accent1"/>
+          </a:lnRef>
+          <a:fillRef idx="0">
+            <a:schemeClr val="accent1"/>
+          </a:fillRef>
+          <a:effectRef idx="1">
+            <a:schemeClr val="accent1"/>
+          </a:effectRef>
+          <a:fontRef idx="minor">
+            <a:schemeClr val="tx1"/>
+          </a:fontRef>
+        </p:style>
+        <p:txBody>
+          <a:bodyPr lIns="216003" tIns="216003" rIns="216003" bIns="216003" rtlCol="0" anchor="ctr"/>
+          <a:lstStyle/>
+          <a:p>
+            <a:pPr algn="ctr" defTabSz="1079998">
+              <a:spcBef>
+                <a:spcPts val="709"/>
+              </a:spcBef>
+            </a:pPr>
+            <a:endParaRPr lang="en-US" sz="2362" dirty="0">
+              <a:solidFill>
+                <a:srgbClr val="FFFFFF"/>
+              </a:solidFill>
+              <a:latin typeface="Gotham Medium"/>
+            </a:endParaRPr>
+          </a:p>
+        </p:txBody>
+      </p:sp>
+      <p:sp>
+        <p:nvSpPr>
+          <p:cNvPr id="52" name="Oval 51">
+            <a:extLst>
+              <a:ext uri="{FF2B5EF4-FFF2-40B4-BE49-F238E27FC236}">
+                <a16:creationId xmlns:a16="http://schemas.microsoft.com/office/drawing/2014/main" id="{755E1EC1-CC14-415C-974F-85FBC2821367}"/>
+              </a:ext>
+            </a:extLst>
+          </p:cNvPr>
+          <p:cNvSpPr/>
+          <p:nvPr/>
+        </p:nvSpPr>
+        <p:spPr>
+          <a:xfrm>
+            <a:off x="1909712" y="5374376"/>
+            <a:ext cx="1374501" cy="1364141"/>
+          </a:xfrm>
+          <a:prstGeom prst="ellipse">
+            <a:avLst/>
+          </a:prstGeom>
+          <a:solidFill>
+            <a:schemeClr val="bg1"/>
+          </a:solidFill>
+          <a:ln>
+            <a:noFill/>
+          </a:ln>
+          <a:effectLst/>
+        </p:spPr>
+        <p:style>
+          <a:lnRef idx="2">
+            <a:schemeClr val="accent1"/>
+          </a:lnRef>
+          <a:fillRef idx="0">
+            <a:schemeClr val="accent1"/>
+          </a:fillRef>
+          <a:effectRef idx="1">
+            <a:schemeClr val="accent1"/>
+          </a:effectRef>
+          <a:fontRef idx="minor">
+            <a:schemeClr val="tx1"/>
+          </a:fontRef>
+        </p:style>
+        <p:txBody>
+          <a:bodyPr lIns="216003" tIns="216003" rIns="216003" bIns="216003" rtlCol="0" anchor="ctr"/>
+          <a:lstStyle/>
+          <a:p>
+            <a:pPr algn="ctr" defTabSz="1079998">
+              <a:spcBef>
+                <a:spcPts val="709"/>
+              </a:spcBef>
+            </a:pPr>
+            <a:endParaRPr lang="en-US" sz="2362" dirty="0">
+              <a:solidFill>
+                <a:srgbClr val="FFFFFF"/>
+              </a:solidFill>
+              <a:latin typeface="Gotham Medium"/>
+            </a:endParaRPr>
+          </a:p>
+        </p:txBody>
+      </p:sp>
+      <p:sp>
+        <p:nvSpPr>
+          <p:cNvPr id="53" name="TextBox 52">
+            <a:extLst>
+              <a:ext uri="{FF2B5EF4-FFF2-40B4-BE49-F238E27FC236}">
+                <a16:creationId xmlns:a16="http://schemas.microsoft.com/office/drawing/2014/main" id="{99178B80-81CB-4034-8D33-FB349C24248D}"/>
+              </a:ext>
+            </a:extLst>
+          </p:cNvPr>
+          <p:cNvSpPr txBox="1"/>
+          <p:nvPr/>
+        </p:nvSpPr>
+        <p:spPr>
+          <a:xfrm>
+            <a:off x="2820472" y="6881731"/>
+            <a:ext cx="1518364" cy="455830"/>
+          </a:xfrm>
+          <a:prstGeom prst="rect">
+            <a:avLst/>
+          </a:prstGeom>
+          <a:noFill/>
+        </p:spPr>
+        <p:txBody>
+          <a:bodyPr wrap="none" rtlCol="0">
+            <a:spAutoFit/>
+          </a:bodyPr>
+          <a:lstStyle/>
+          <a:p>
+            <a:pPr defTabSz="1079998"/>
+            <a:r>
+              <a:rPr lang="en-GB" sz="2362" dirty="0">
+                <a:solidFill>
+                  <a:srgbClr val="404040"/>
+                </a:solidFill>
+                <a:latin typeface="Consolas" panose="020B0609020204030204" pitchFamily="49" charset="0"/>
+              </a:rPr>
+              <a:t>/metrics</a:t>
+            </a:r>
+            <a:endParaRPr lang="en-US" sz="2362" dirty="0" err="1">
+              <a:solidFill>
+                <a:srgbClr val="404040"/>
+              </a:solidFill>
+              <a:latin typeface="Consolas" panose="020B0609020204030204" pitchFamily="49" charset="0"/>
+            </a:endParaRPr>
+          </a:p>
+        </p:txBody>
+      </p:sp>
+      <p:sp>
+        <p:nvSpPr>
+          <p:cNvPr id="54" name="Oval 53">
+            <a:extLst>
+              <a:ext uri="{FF2B5EF4-FFF2-40B4-BE49-F238E27FC236}">
+                <a16:creationId xmlns:a16="http://schemas.microsoft.com/office/drawing/2014/main" id="{13488A41-CC7F-4C79-8B7D-B7FA9B782775}"/>
+              </a:ext>
+            </a:extLst>
+          </p:cNvPr>
+          <p:cNvSpPr/>
+          <p:nvPr/>
+        </p:nvSpPr>
+        <p:spPr>
+          <a:xfrm>
+            <a:off x="1909712" y="5374376"/>
+            <a:ext cx="1374501" cy="1364141"/>
+          </a:xfrm>
+          <a:prstGeom prst="ellipse">
+            <a:avLst/>
+          </a:prstGeom>
+          <a:solidFill>
+            <a:schemeClr val="bg1"/>
+          </a:solidFill>
+          <a:ln>
+            <a:noFill/>
+          </a:ln>
+          <a:effectLst/>
+        </p:spPr>
+        <p:style>
+          <a:lnRef idx="2">
+            <a:schemeClr val="accent1"/>
+          </a:lnRef>
+          <a:fillRef idx="0">
+            <a:schemeClr val="accent1"/>
+          </a:fillRef>
+          <a:effectRef idx="1">
+            <a:schemeClr val="accent1"/>
+          </a:effectRef>
+          <a:fontRef idx="minor">
+            <a:schemeClr val="tx1"/>
+          </a:fontRef>
+        </p:style>
+        <p:txBody>
+          <a:bodyPr lIns="216003" tIns="216003" rIns="216003" bIns="216003" rtlCol="0" anchor="ctr"/>
+          <a:lstStyle/>
+          <a:p>
+            <a:pPr algn="ctr" defTabSz="1079998">
+              <a:spcBef>
+                <a:spcPts val="709"/>
+              </a:spcBef>
+            </a:pPr>
+            <a:endParaRPr lang="en-US" sz="2362" dirty="0">
+              <a:solidFill>
+                <a:srgbClr val="FFFFFF"/>
+              </a:solidFill>
+              <a:latin typeface="Gotham Medium"/>
+            </a:endParaRPr>
+          </a:p>
+        </p:txBody>
+      </p:sp>
+      <p:grpSp>
+        <p:nvGrpSpPr>
+          <p:cNvPr id="55" name="Group 54">
+            <a:extLst>
+              <a:ext uri="{FF2B5EF4-FFF2-40B4-BE49-F238E27FC236}">
+                <a16:creationId xmlns:a16="http://schemas.microsoft.com/office/drawing/2014/main" id="{F32994B7-3A64-4431-BB6C-24235BE66423}"/>
+              </a:ext>
+            </a:extLst>
+          </p:cNvPr>
+          <p:cNvGrpSpPr/>
+          <p:nvPr/>
+        </p:nvGrpSpPr>
+        <p:grpSpPr>
+          <a:xfrm>
+            <a:off x="277621" y="4821276"/>
+            <a:ext cx="2464972" cy="2288370"/>
+            <a:chOff x="14515530" y="718525"/>
+            <a:chExt cx="4258030" cy="3969436"/>
+          </a:xfrm>
+        </p:grpSpPr>
+        <p:pic>
+          <p:nvPicPr>
+            <p:cNvPr id="56" name="Picture 55">
+              <a:extLst>
+                <a:ext uri="{FF2B5EF4-FFF2-40B4-BE49-F238E27FC236}">
+                  <a16:creationId xmlns:a16="http://schemas.microsoft.com/office/drawing/2014/main" id="{F95AAB47-46DC-42B0-958E-899DEBFD0555}"/>
+                </a:ext>
+              </a:extLst>
+            </p:cNvPr>
+            <p:cNvPicPr>
+              <a:picLocks noChangeAspect="1"/>
+            </p:cNvPicPr>
+            <p:nvPr/>
+          </p:nvPicPr>
+          <p:blipFill>
+            <a:blip r:embed="rId8">
+              <a:duotone>
+                <a:schemeClr val="bg2">
+                  <a:shade val="45000"/>
+                  <a:satMod val="135000"/>
+                </a:schemeClr>
+                <a:prstClr val="white"/>
+              </a:duotone>
+              <a:extLst>
+                <a:ext uri="{28A0092B-C50C-407E-A947-70E740481C1C}">
+                  <a14:useLocalDpi xmlns:a14="http://schemas.microsoft.com/office/drawing/2010/main" val="0"/>
+                </a:ext>
+              </a:extLst>
+            </a:blip>
+            <a:stretch>
+              <a:fillRect/>
+            </a:stretch>
+          </p:blipFill>
+          <p:spPr>
+            <a:xfrm>
+              <a:off x="14515530" y="718525"/>
+              <a:ext cx="3969436" cy="3969436"/>
+            </a:xfrm>
+            <a:prstGeom prst="rect">
+              <a:avLst/>
+            </a:prstGeom>
+          </p:spPr>
+        </p:pic>
+        <p:sp>
+          <p:nvSpPr>
+            <p:cNvPr id="57" name="Oval 56">
+              <a:extLst>
+                <a:ext uri="{FF2B5EF4-FFF2-40B4-BE49-F238E27FC236}">
+                  <a16:creationId xmlns:a16="http://schemas.microsoft.com/office/drawing/2014/main" id="{2CC30D60-4ED2-4A65-94E0-22C5CAC25786}"/>
+                </a:ext>
+              </a:extLst>
+            </p:cNvPr>
+            <p:cNvSpPr/>
+            <p:nvPr/>
+          </p:nvSpPr>
+          <p:spPr>
+            <a:xfrm>
+              <a:off x="16321368" y="2211447"/>
+              <a:ext cx="2452192" cy="2452192"/>
+            </a:xfrm>
+            <a:prstGeom prst="ellipse">
+              <a:avLst/>
+            </a:prstGeom>
+            <a:solidFill>
+              <a:schemeClr val="bg1"/>
+            </a:solidFill>
+            <a:ln>
+              <a:noFill/>
+            </a:ln>
+          </p:spPr>
+          <p:style>
+            <a:lnRef idx="2">
+              <a:schemeClr val="accent1">
+                <a:shade val="50000"/>
+              </a:schemeClr>
+            </a:lnRef>
+            <a:fillRef idx="1">
+              <a:schemeClr val="accent1"/>
+            </a:fillRef>
+            <a:effectRef idx="0">
+              <a:schemeClr val="accent1"/>
+            </a:effectRef>
+            <a:fontRef idx="minor">
+              <a:schemeClr val="lt1"/>
+            </a:fontRef>
+          </p:style>
+          <p:txBody>
+            <a:bodyPr rtlCol="0" anchor="ctr"/>
+            <a:lstStyle/>
+            <a:p>
+              <a:pPr algn="ctr" defTabSz="685800">
+                <a:defRPr/>
+              </a:pPr>
+              <a:endParaRPr lang="en-GB" sz="1350">
+                <a:solidFill>
+                  <a:srgbClr val="FFFFFF"/>
+                </a:solidFill>
+                <a:latin typeface="Calibri"/>
+                <a:sym typeface="Helvetica Neue"/>
+              </a:endParaRPr>
+            </a:p>
+          </p:txBody>
+        </p:sp>
+        <p:pic>
+          <p:nvPicPr>
+            <p:cNvPr id="58" name="Picture 4" descr="Image result for tux linux logo">
+              <a:extLst>
+                <a:ext uri="{FF2B5EF4-FFF2-40B4-BE49-F238E27FC236}">
+                  <a16:creationId xmlns:a16="http://schemas.microsoft.com/office/drawing/2014/main" id="{A97E4D53-C147-4EA0-87F0-64C4FB5C9873}"/>
+                </a:ext>
+              </a:extLst>
+            </p:cNvPr>
+            <p:cNvPicPr>
+              <a:picLocks noChangeAspect="1" noChangeArrowheads="1"/>
+            </p:cNvPicPr>
+            <p:nvPr/>
+          </p:nvPicPr>
+          <p:blipFill>
+            <a:blip r:embed="rId9">
+              <a:extLst>
+                <a:ext uri="{28A0092B-C50C-407E-A947-70E740481C1C}">
+                  <a14:useLocalDpi xmlns:a14="http://schemas.microsoft.com/office/drawing/2010/main" val="0"/>
+                </a:ext>
+              </a:extLst>
+            </a:blip>
+            <a:srcRect/>
+            <a:stretch>
+              <a:fillRect/>
+            </a:stretch>
+          </p:blipFill>
+          <p:spPr bwMode="auto">
+            <a:xfrm>
+              <a:off x="16658560" y="2300504"/>
+              <a:ext cx="1745113" cy="2070339"/>
+            </a:xfrm>
+            <a:prstGeom prst="rect">
+              <a:avLst/>
+            </a:prstGeom>
+            <a:noFill/>
+            <a:extLst>
+              <a:ext uri="{909E8E84-426E-40DD-AFC4-6F175D3DCCD1}">
+                <a14:hiddenFill xmlns:a14="http://schemas.microsoft.com/office/drawing/2010/main">
+                  <a:solidFill>
+                    <a:srgbClr val="FFFFFF"/>
+                  </a:solidFill>
+                </a14:hiddenFill>
+              </a:ext>
+            </a:extLst>
+          </p:spPr>
+        </p:pic>
+      </p:grpSp>
+      <p:pic>
+        <p:nvPicPr>
+          <p:cNvPr id="59" name="Picture 58">
+            <a:extLst>
+              <a:ext uri="{FF2B5EF4-FFF2-40B4-BE49-F238E27FC236}">
+                <a16:creationId xmlns:a16="http://schemas.microsoft.com/office/drawing/2014/main" id="{2DFE145B-9327-4867-B09D-9BFF4F31EB00}"/>
+              </a:ext>
+            </a:extLst>
+          </p:cNvPr>
+          <p:cNvPicPr>
+            <a:picLocks noChangeAspect="1"/>
+          </p:cNvPicPr>
+          <p:nvPr/>
+        </p:nvPicPr>
+        <p:blipFill>
+          <a:blip r:embed="rId7" cstate="print">
+            <a:extLst>
+              <a:ext uri="{28A0092B-C50C-407E-A947-70E740481C1C}">
+                <a14:useLocalDpi xmlns:a14="http://schemas.microsoft.com/office/drawing/2010/main" val="0"/>
+              </a:ext>
+            </a:extLst>
+          </a:blip>
+          <a:stretch>
+            <a:fillRect/>
+          </a:stretch>
+        </p:blipFill>
+        <p:spPr>
+          <a:xfrm>
+            <a:off x="2988763" y="5765872"/>
+            <a:ext cx="1264324" cy="881075"/>
+          </a:xfrm>
+          <a:prstGeom prst="rect">
+            <a:avLst/>
+          </a:prstGeom>
+        </p:spPr>
+      </p:pic>
+      <p:cxnSp>
+        <p:nvCxnSpPr>
+          <p:cNvPr id="60" name="Straight Connector 59">
+            <a:extLst>
+              <a:ext uri="{FF2B5EF4-FFF2-40B4-BE49-F238E27FC236}">
+                <a16:creationId xmlns:a16="http://schemas.microsoft.com/office/drawing/2014/main" id="{BEEB088B-9B52-4D58-9457-8116198D37FE}"/>
+              </a:ext>
+            </a:extLst>
+          </p:cNvPr>
+          <p:cNvCxnSpPr>
+            <a:cxnSpLocks/>
+          </p:cNvCxnSpPr>
+          <p:nvPr/>
+        </p:nvCxnSpPr>
+        <p:spPr>
+          <a:xfrm flipH="1">
+            <a:off x="2526511" y="6283698"/>
+            <a:ext cx="357667" cy="0"/>
+          </a:xfrm>
+          <a:prstGeom prst="line">
+            <a:avLst/>
+          </a:prstGeom>
+          <a:ln>
+            <a:solidFill>
+              <a:schemeClr val="accent1"/>
+            </a:solidFill>
+            <a:headEnd type="none"/>
+            <a:tailEnd type="none"/>
           </a:ln>
           <a:effectLst/>
         </p:spPr>
